--- a/Training/LG_Training_C++14.pptx
+++ b/Training/LG_Training_C++14.pptx
@@ -5,7 +5,7 @@
     <p:sldMasterId id="2147483648" r:id="rId1"/>
   </p:sldMasterIdLst>
   <p:notesMasterIdLst>
-    <p:notesMasterId r:id="rId15"/>
+    <p:notesMasterId r:id="rId20"/>
   </p:notesMasterIdLst>
   <p:sldIdLst>
     <p:sldId id="256" r:id="rId2"/>
@@ -20,7 +20,12 @@
     <p:sldId id="307" r:id="rId11"/>
     <p:sldId id="308" r:id="rId12"/>
     <p:sldId id="309" r:id="rId13"/>
-    <p:sldId id="302" r:id="rId14"/>
+    <p:sldId id="310" r:id="rId14"/>
+    <p:sldId id="311" r:id="rId15"/>
+    <p:sldId id="312" r:id="rId16"/>
+    <p:sldId id="313" r:id="rId17"/>
+    <p:sldId id="314" r:id="rId18"/>
+    <p:sldId id="302" r:id="rId19"/>
   </p:sldIdLst>
   <p:sldSz cx="12192000" cy="6858000"/>
   <p:notesSz cx="6858000" cy="9144000"/>
@@ -121,7 +126,7 @@
   </p:defaultTextStyle>
   <p:extLst>
     <p:ext uri="{EFAFB233-063F-42B5-8137-9DF3F51BA10A}">
-      <p15:sldGuideLst xmlns:p15="http://schemas.microsoft.com/office/powerpoint/2012/main">
+      <p15:sldGuideLst xmlns:p15="http://schemas.microsoft.com/office/powerpoint/2012/main" xmlns="">
         <p15:guide id="1" orient="horz" pos="2160">
           <p15:clr>
             <a:srgbClr val="A4A3A4"/>
@@ -135,7 +140,7 @@
       </p15:sldGuideLst>
     </p:ext>
     <p:ext uri="{2D200454-40CA-4A62-9FC3-DE9A4176ACB9}">
-      <p15:notesGuideLst xmlns:p15="http://schemas.microsoft.com/office/powerpoint/2012/main"/>
+      <p15:notesGuideLst xmlns:p15="http://schemas.microsoft.com/office/powerpoint/2012/main" xmlns=""/>
     </p:ext>
   </p:extLst>
 </p:presentation>
@@ -1306,6 +1311,94 @@
 </p:notes>
 </file>
 
+<file path=ppt/notesSlides/notesSlide9.xml><?xml version="1.0" encoding="utf-8"?>
+<p:notes xmlns:a="http://schemas.openxmlformats.org/drawingml/2006/main" xmlns:r="http://schemas.openxmlformats.org/officeDocument/2006/relationships" xmlns:p="http://schemas.openxmlformats.org/presentationml/2006/main">
+  <p:cSld>
+    <p:spTree>
+      <p:nvGrpSpPr>
+        <p:cNvPr id="1" name=""/>
+        <p:cNvGrpSpPr/>
+        <p:nvPr/>
+      </p:nvGrpSpPr>
+      <p:grpSpPr>
+        <a:xfrm>
+          <a:off x="0" y="0"/>
+          <a:ext cx="0" cy="0"/>
+          <a:chOff x="0" y="0"/>
+          <a:chExt cx="0" cy="0"/>
+        </a:xfrm>
+      </p:grpSpPr>
+      <p:sp>
+        <p:nvSpPr>
+          <p:cNvPr id="2" name="Slide Image Placeholder 1"/>
+          <p:cNvSpPr>
+            <a:spLocks noGrp="1" noRot="1" noChangeAspect="1"/>
+          </p:cNvSpPr>
+          <p:nvPr>
+            <p:ph type="sldImg"/>
+          </p:nvPr>
+        </p:nvSpPr>
+        <p:spPr/>
+      </p:sp>
+      <p:sp>
+        <p:nvSpPr>
+          <p:cNvPr id="3" name="Notes Placeholder 2"/>
+          <p:cNvSpPr>
+            <a:spLocks noGrp="1"/>
+          </p:cNvSpPr>
+          <p:nvPr>
+            <p:ph type="body" idx="1"/>
+          </p:nvPr>
+        </p:nvSpPr>
+        <p:spPr/>
+        <p:txBody>
+          <a:bodyPr/>
+          <a:lstStyle/>
+          <a:p>
+            <a:r>
+              <a:rPr lang="en-US" dirty="0" smtClean="0"/>
+              <a:t>https://www.ibm.com/developerworks/community/blogs/5894415f-be62-4bc0-81c5-3956e82276f3/entry/Introduction_to_Variable_Templates_of_C_14?lang=en</a:t>
+            </a:r>
+            <a:endParaRPr lang="en-US" dirty="0"/>
+          </a:p>
+        </p:txBody>
+      </p:sp>
+      <p:sp>
+        <p:nvSpPr>
+          <p:cNvPr id="4" name="Slide Number Placeholder 3"/>
+          <p:cNvSpPr>
+            <a:spLocks noGrp="1"/>
+          </p:cNvSpPr>
+          <p:nvPr>
+            <p:ph type="sldNum" sz="quarter" idx="10"/>
+          </p:nvPr>
+        </p:nvSpPr>
+        <p:spPr/>
+        <p:txBody>
+          <a:bodyPr/>
+          <a:lstStyle/>
+          <a:p>
+            <a:fld id="{B975D894-16AA-4E7C-A7F7-7CE1446AB52E}" type="slidenum">
+              <a:rPr lang="en-US" smtClean="0"/>
+              <a:t>13</a:t>
+            </a:fld>
+            <a:endParaRPr lang="en-US"/>
+          </a:p>
+        </p:txBody>
+      </p:sp>
+    </p:spTree>
+    <p:extLst>
+      <p:ext uri="{BB962C8B-B14F-4D97-AF65-F5344CB8AC3E}">
+        <p14:creationId xmlns:p14="http://schemas.microsoft.com/office/powerpoint/2010/main" val="3279559902"/>
+      </p:ext>
+    </p:extLst>
+  </p:cSld>
+  <p:clrMapOvr>
+    <a:masterClrMapping/>
+  </p:clrMapOvr>
+</p:notes>
+</file>
+
 <file path=ppt/slideLayouts/slideLayout1.xml><?xml version="1.0" encoding="utf-8"?>
 <p:sldLayout xmlns:a="http://schemas.openxmlformats.org/drawingml/2006/main" xmlns:r="http://schemas.openxmlformats.org/officeDocument/2006/relationships" xmlns:p="http://schemas.openxmlformats.org/presentationml/2006/main" type="title" preserve="1">
   <p:cSld name="Title Slide">
@@ -3931,19 +4024,7 @@
                   </a:outerShdw>
                 </a:effectLst>
               </a:rPr>
-              <a:t>C++ </a:t>
-            </a:r>
-            <a:r>
-              <a:rPr lang="en-US" sz="1600" i="1" dirty="0" smtClean="0">
-                <a:effectLst>
-                  <a:outerShdw blurRad="50800" dist="38100" dir="16200000" rotWithShape="0">
-                    <a:schemeClr val="accent1">
-                      <a:alpha val="40000"/>
-                    </a:schemeClr>
-                  </a:outerShdw>
-                </a:effectLst>
-              </a:rPr>
-              <a:t>14</a:t>
+              <a:t>C++ 14</a:t>
             </a:r>
           </a:p>
         </p:txBody>
@@ -4351,27 +4432,7 @@
                 <a:latin typeface="Times New Roman" panose="02020603050405020304" pitchFamily="18" charset="0"/>
                 <a:cs typeface="Times New Roman" panose="02020603050405020304" pitchFamily="18" charset="0"/>
               </a:rPr>
-              <a:t>Session 1: C++</a:t>
-            </a:r>
-            <a:r>
-              <a:rPr lang="en-US" sz="3200" b="1" dirty="0" smtClean="0">
-                <a:solidFill>
-                  <a:schemeClr val="accent2"/>
-                </a:solidFill>
-                <a:latin typeface="Times New Roman" panose="02020603050405020304" pitchFamily="18" charset="0"/>
-                <a:cs typeface="Times New Roman" panose="02020603050405020304" pitchFamily="18" charset="0"/>
-              </a:rPr>
-              <a:t>14</a:t>
-            </a:r>
-            <a:r>
-              <a:rPr lang="en-US" sz="3200" b="1" dirty="0" smtClean="0">
-                <a:solidFill>
-                  <a:schemeClr val="accent2"/>
-                </a:solidFill>
-                <a:latin typeface="Times New Roman" panose="02020603050405020304" pitchFamily="18" charset="0"/>
-                <a:cs typeface="Times New Roman" panose="02020603050405020304" pitchFamily="18" charset="0"/>
-              </a:rPr>
-              <a:t/>
+              <a:t>Session 1: C++14</a:t>
             </a:r>
             <a:br>
               <a:rPr lang="en-US" sz="3200" b="1" dirty="0" smtClean="0">
@@ -4464,29 +4525,8 @@
               <a:rPr lang="en-US" dirty="0" smtClean="0">
                 <a:latin typeface="+mj-lt"/>
               </a:rPr>
-              <a:t>++ </a:t>
-            </a:r>
-            <a:r>
-              <a:rPr lang="en-US" dirty="0" smtClean="0">
-                <a:latin typeface="+mj-lt"/>
-              </a:rPr>
-              <a:t>14 </a:t>
-            </a:r>
-            <a:r>
-              <a:rPr lang="en-US" dirty="0" smtClean="0">
-                <a:latin typeface="+mj-lt"/>
-              </a:rPr>
-              <a:t>in comparing with C</a:t>
-            </a:r>
-            <a:r>
-              <a:rPr lang="en-US" dirty="0" smtClean="0">
-                <a:latin typeface="+mj-lt"/>
-              </a:rPr>
-              <a:t>++11</a:t>
-            </a:r>
-            <a:endParaRPr lang="en-US" dirty="0" smtClean="0">
-              <a:latin typeface="+mj-lt"/>
-            </a:endParaRPr>
+              <a:t>++ 14 in comparing with C++11</a:t>
+            </a:r>
           </a:p>
           <a:p>
             <a:pPr marL="514350" indent="-514350" algn="l">
@@ -4683,7 +4723,6 @@
               <a:rPr lang="en-US" dirty="0"/>
               <a:t> lambdas</a:t>
             </a:r>
-            <a:endParaRPr lang="en-US" dirty="0"/>
           </a:p>
         </p:txBody>
       </p:sp>
@@ -7901,6 +7940,4429 @@
 </file>
 
 <file path=ppt/slides/slide13.xml><?xml version="1.0" encoding="utf-8"?>
+<p:sld xmlns:a="http://schemas.openxmlformats.org/drawingml/2006/main" xmlns:r="http://schemas.openxmlformats.org/officeDocument/2006/relationships" xmlns:p="http://schemas.openxmlformats.org/presentationml/2006/main">
+  <p:cSld>
+    <p:spTree>
+      <p:nvGrpSpPr>
+        <p:cNvPr id="1" name=""/>
+        <p:cNvGrpSpPr/>
+        <p:nvPr/>
+      </p:nvGrpSpPr>
+      <p:grpSpPr>
+        <a:xfrm>
+          <a:off x="0" y="0"/>
+          <a:ext cx="0" cy="0"/>
+          <a:chOff x="0" y="0"/>
+          <a:chExt cx="0" cy="0"/>
+        </a:xfrm>
+      </p:grpSpPr>
+      <p:sp>
+        <p:nvSpPr>
+          <p:cNvPr id="2" name="Title 1"/>
+          <p:cNvSpPr>
+            <a:spLocks noGrp="1"/>
+          </p:cNvSpPr>
+          <p:nvPr>
+            <p:ph type="title"/>
+          </p:nvPr>
+        </p:nvSpPr>
+        <p:spPr>
+          <a:xfrm>
+            <a:off x="838200" y="365126"/>
+            <a:ext cx="3271092" cy="637409"/>
+          </a:xfrm>
+        </p:spPr>
+        <p:txBody>
+          <a:bodyPr>
+            <a:normAutofit/>
+          </a:bodyPr>
+          <a:lstStyle/>
+          <a:p>
+            <a:r>
+              <a:rPr lang="en-US" sz="3200" dirty="0">
+                <a:solidFill>
+                  <a:schemeClr val="accent2"/>
+                </a:solidFill>
+              </a:rPr>
+              <a:t>variable templates</a:t>
+            </a:r>
+          </a:p>
+        </p:txBody>
+      </p:sp>
+      <p:sp>
+        <p:nvSpPr>
+          <p:cNvPr id="4" name="TextBox 3"/>
+          <p:cNvSpPr txBox="1"/>
+          <p:nvPr/>
+        </p:nvSpPr>
+        <p:spPr>
+          <a:xfrm>
+            <a:off x="892367" y="1139979"/>
+            <a:ext cx="11194090" cy="369332"/>
+          </a:xfrm>
+          <a:prstGeom prst="rect">
+            <a:avLst/>
+          </a:prstGeom>
+          <a:noFill/>
+        </p:spPr>
+        <p:txBody>
+          <a:bodyPr wrap="none" rtlCol="0">
+            <a:spAutoFit/>
+          </a:bodyPr>
+          <a:lstStyle/>
+          <a:p>
+            <a:pPr marL="285750" indent="-285750">
+              <a:buClr>
+                <a:schemeClr val="accent2"/>
+              </a:buClr>
+              <a:buFont typeface="Courier New" pitchFamily="49" charset="0"/>
+              <a:buChar char="o"/>
+            </a:pPr>
+            <a:r>
+              <a:rPr lang="en-US" dirty="0"/>
+              <a:t>The main purpose of the variable template is to simplify definitions and uses of parameterized constants. </a:t>
+            </a:r>
+          </a:p>
+        </p:txBody>
+      </p:sp>
+      <p:graphicFrame>
+        <p:nvGraphicFramePr>
+          <p:cNvPr id="5" name="Table 4"/>
+          <p:cNvGraphicFramePr>
+            <a:graphicFrameLocks noGrp="1"/>
+          </p:cNvGraphicFramePr>
+          <p:nvPr>
+            <p:extLst>
+              <p:ext uri="{D42A27DB-BD31-4B8C-83A1-F6EECF244321}">
+                <p14:modId xmlns:p14="http://schemas.microsoft.com/office/powerpoint/2010/main" val="596729438"/>
+              </p:ext>
+            </p:extLst>
+          </p:nvPr>
+        </p:nvGraphicFramePr>
+        <p:xfrm>
+          <a:off x="1046601" y="1766268"/>
+          <a:ext cx="10146536" cy="4572000"/>
+        </p:xfrm>
+        <a:graphic>
+          <a:graphicData uri="http://schemas.openxmlformats.org/drawingml/2006/table">
+            <a:tbl>
+              <a:tblPr firstRow="1" bandRow="1">
+                <a:tableStyleId>{5C22544A-7EE6-4342-B048-85BDC9FD1C3A}</a:tableStyleId>
+              </a:tblPr>
+              <a:tblGrid>
+                <a:gridCol w="5155895"/>
+                <a:gridCol w="4990641"/>
+              </a:tblGrid>
+              <a:tr h="326936">
+                <a:tc>
+                  <a:txBody>
+                    <a:bodyPr/>
+                    <a:lstStyle/>
+                    <a:p>
+                      <a:r>
+                        <a:rPr lang="en-US" dirty="0" smtClean="0"/>
+                        <a:t>C++11 </a:t>
+                      </a:r>
+                      <a:endParaRPr lang="en-US" dirty="0"/>
+                    </a:p>
+                  </a:txBody>
+                  <a:tcPr/>
+                </a:tc>
+                <a:tc>
+                  <a:txBody>
+                    <a:bodyPr/>
+                    <a:lstStyle/>
+                    <a:p>
+                      <a:r>
+                        <a:rPr lang="en-US" dirty="0" smtClean="0"/>
+                        <a:t>C++11</a:t>
+                      </a:r>
+                      <a:endParaRPr lang="en-US" dirty="0"/>
+                    </a:p>
+                  </a:txBody>
+                  <a:tcPr/>
+                </a:tc>
+              </a:tr>
+              <a:tr h="3160981">
+                <a:tc>
+                  <a:txBody>
+                    <a:bodyPr/>
+                    <a:lstStyle/>
+                    <a:p>
+                      <a:r>
+                        <a:rPr lang="en-US" sz="1800" b="0" i="0" kern="1200" dirty="0" smtClean="0">
+                          <a:solidFill>
+                            <a:srgbClr val="00B050"/>
+                          </a:solidFill>
+                          <a:effectLst/>
+                          <a:latin typeface="+mn-lt"/>
+                          <a:ea typeface="+mn-ea"/>
+                          <a:cs typeface="+mn-cs"/>
+                        </a:rPr>
+                        <a:t>//CODE 1</a:t>
+                      </a:r>
+                      <a:endParaRPr lang="en-US" sz="1800" b="0" i="0" kern="1200" dirty="0" smtClean="0">
+                        <a:solidFill>
+                          <a:srgbClr val="00B050"/>
+                        </a:solidFill>
+                        <a:effectLst/>
+                        <a:latin typeface="+mj-lt"/>
+                        <a:ea typeface="+mn-ea"/>
+                        <a:cs typeface="+mn-cs"/>
+                      </a:endParaRPr>
+                    </a:p>
+                    <a:p>
+                      <a:r>
+                        <a:rPr lang="en-US" sz="1800" b="0" i="0" kern="1200" dirty="0" smtClean="0">
+                          <a:solidFill>
+                            <a:schemeClr val="bg2">
+                              <a:lumMod val="50000"/>
+                            </a:schemeClr>
+                          </a:solidFill>
+                          <a:effectLst/>
+                          <a:latin typeface="+mj-lt"/>
+                          <a:ea typeface="+mn-ea"/>
+                          <a:cs typeface="+mn-cs"/>
+                        </a:rPr>
+                        <a:t>#include</a:t>
+                      </a:r>
+                      <a:r>
+                        <a:rPr lang="en-US" sz="1800" b="0" i="0" kern="1200" dirty="0" smtClean="0">
+                          <a:solidFill>
+                            <a:schemeClr val="dk1"/>
+                          </a:solidFill>
+                          <a:effectLst/>
+                          <a:latin typeface="+mj-lt"/>
+                          <a:ea typeface="+mn-ea"/>
+                          <a:cs typeface="+mn-cs"/>
+                        </a:rPr>
+                        <a:t>&lt;</a:t>
+                      </a:r>
+                      <a:r>
+                        <a:rPr lang="en-US" sz="1800" b="0" i="0" kern="1200" dirty="0" err="1" smtClean="0">
+                          <a:solidFill>
+                            <a:schemeClr val="dk1"/>
+                          </a:solidFill>
+                          <a:effectLst/>
+                          <a:latin typeface="+mj-lt"/>
+                          <a:ea typeface="+mn-ea"/>
+                          <a:cs typeface="+mn-cs"/>
+                        </a:rPr>
+                        <a:t>stdio.h</a:t>
+                      </a:r>
+                      <a:r>
+                        <a:rPr lang="en-US" sz="1800" b="0" i="0" kern="1200" dirty="0" smtClean="0">
+                          <a:solidFill>
+                            <a:schemeClr val="dk1"/>
+                          </a:solidFill>
+                          <a:effectLst/>
+                          <a:latin typeface="+mj-lt"/>
+                          <a:ea typeface="+mn-ea"/>
+                          <a:cs typeface="+mn-cs"/>
+                        </a:rPr>
+                        <a:t>&gt;</a:t>
+                      </a:r>
+                    </a:p>
+                    <a:p>
+                      <a:r>
+                        <a:rPr lang="en-US" sz="1800" b="0" i="0" kern="1200" dirty="0" smtClean="0">
+                          <a:solidFill>
+                            <a:srgbClr val="0070C0"/>
+                          </a:solidFill>
+                          <a:effectLst/>
+                          <a:latin typeface="+mj-lt"/>
+                          <a:ea typeface="+mn-ea"/>
+                          <a:cs typeface="+mn-cs"/>
+                        </a:rPr>
+                        <a:t>template</a:t>
+                      </a:r>
+                      <a:r>
+                        <a:rPr lang="en-US" sz="1800" b="0" i="0" kern="1200" dirty="0" smtClean="0">
+                          <a:solidFill>
+                            <a:schemeClr val="dk1"/>
+                          </a:solidFill>
+                          <a:effectLst/>
+                          <a:latin typeface="+mj-lt"/>
+                          <a:ea typeface="+mn-ea"/>
+                          <a:cs typeface="+mn-cs"/>
+                        </a:rPr>
+                        <a:t> &lt;</a:t>
+                      </a:r>
+                      <a:r>
+                        <a:rPr lang="en-US" sz="1800" b="0" i="0" kern="1200" dirty="0" err="1" smtClean="0">
+                          <a:solidFill>
+                            <a:srgbClr val="0070C0"/>
+                          </a:solidFill>
+                          <a:effectLst/>
+                          <a:latin typeface="+mj-lt"/>
+                          <a:ea typeface="+mn-ea"/>
+                          <a:cs typeface="+mn-cs"/>
+                        </a:rPr>
+                        <a:t>typename</a:t>
+                      </a:r>
+                      <a:r>
+                        <a:rPr lang="en-US" sz="1800" b="0" i="0" kern="1200" dirty="0" smtClean="0">
+                          <a:solidFill>
+                            <a:srgbClr val="0070C0"/>
+                          </a:solidFill>
+                          <a:effectLst/>
+                          <a:latin typeface="+mj-lt"/>
+                          <a:ea typeface="+mn-ea"/>
+                          <a:cs typeface="+mn-cs"/>
+                        </a:rPr>
+                        <a:t> </a:t>
+                      </a:r>
+                      <a:r>
+                        <a:rPr lang="en-US" sz="1800" b="0" i="0" kern="1200" dirty="0" smtClean="0">
+                          <a:solidFill>
+                            <a:srgbClr val="00B0F0"/>
+                          </a:solidFill>
+                          <a:effectLst/>
+                          <a:latin typeface="+mj-lt"/>
+                          <a:ea typeface="+mn-ea"/>
+                          <a:cs typeface="+mn-cs"/>
+                        </a:rPr>
+                        <a:t>T</a:t>
+                      </a:r>
+                      <a:r>
+                        <a:rPr lang="en-US" sz="1800" b="0" i="0" kern="1200" dirty="0" smtClean="0">
+                          <a:solidFill>
+                            <a:schemeClr val="dk1"/>
+                          </a:solidFill>
+                          <a:effectLst/>
+                          <a:latin typeface="+mj-lt"/>
+                          <a:ea typeface="+mn-ea"/>
+                          <a:cs typeface="+mn-cs"/>
+                        </a:rPr>
+                        <a:t>&gt;</a:t>
+                      </a:r>
+                    </a:p>
+                    <a:p>
+                      <a:r>
+                        <a:rPr lang="en-US" sz="1800" b="0" i="0" kern="1200" dirty="0" err="1" smtClean="0">
+                          <a:solidFill>
+                            <a:srgbClr val="0070C0"/>
+                          </a:solidFill>
+                          <a:effectLst/>
+                          <a:latin typeface="+mj-lt"/>
+                          <a:ea typeface="+mn-ea"/>
+                          <a:cs typeface="+mn-cs"/>
+                        </a:rPr>
+                        <a:t>struct</a:t>
+                      </a:r>
+                      <a:r>
+                        <a:rPr lang="en-US" sz="1800" b="0" i="0" kern="1200" dirty="0" smtClean="0">
+                          <a:solidFill>
+                            <a:srgbClr val="0070C0"/>
+                          </a:solidFill>
+                          <a:effectLst/>
+                          <a:latin typeface="+mj-lt"/>
+                          <a:ea typeface="+mn-ea"/>
+                          <a:cs typeface="+mn-cs"/>
+                        </a:rPr>
+                        <a:t> </a:t>
+                      </a:r>
+                      <a:r>
+                        <a:rPr lang="en-US" sz="1800" b="0" i="0" kern="1200" dirty="0" smtClean="0">
+                          <a:solidFill>
+                            <a:schemeClr val="dk1"/>
+                          </a:solidFill>
+                          <a:effectLst/>
+                          <a:latin typeface="+mj-lt"/>
+                          <a:ea typeface="+mn-ea"/>
+                          <a:cs typeface="+mn-cs"/>
+                        </a:rPr>
+                        <a:t>PI {</a:t>
+                      </a:r>
+                    </a:p>
+                    <a:p>
+                      <a:r>
+                        <a:rPr lang="en-US" sz="1800" b="0" i="0" kern="1200" dirty="0" smtClean="0">
+                          <a:solidFill>
+                            <a:schemeClr val="dk1"/>
+                          </a:solidFill>
+                          <a:effectLst/>
+                          <a:latin typeface="+mj-lt"/>
+                          <a:ea typeface="+mn-ea"/>
+                          <a:cs typeface="+mn-cs"/>
+                        </a:rPr>
+                        <a:t>  </a:t>
+                      </a:r>
+                      <a:r>
+                        <a:rPr lang="en-US" sz="1800" b="0" i="0" kern="1200" dirty="0" smtClean="0">
+                          <a:solidFill>
+                            <a:srgbClr val="0070C0"/>
+                          </a:solidFill>
+                          <a:effectLst/>
+                          <a:latin typeface="+mj-lt"/>
+                          <a:ea typeface="+mn-ea"/>
+                          <a:cs typeface="+mn-cs"/>
+                        </a:rPr>
+                        <a:t>static</a:t>
+                      </a:r>
+                      <a:r>
+                        <a:rPr lang="en-US" sz="1800" b="0" i="0" kern="1200" dirty="0" smtClean="0">
+                          <a:solidFill>
+                            <a:schemeClr val="dk1"/>
+                          </a:solidFill>
+                          <a:effectLst/>
+                          <a:latin typeface="+mj-lt"/>
+                          <a:ea typeface="+mn-ea"/>
+                          <a:cs typeface="+mn-cs"/>
+                        </a:rPr>
+                        <a:t> </a:t>
+                      </a:r>
+                      <a:r>
+                        <a:rPr lang="en-US" sz="1800" b="0" i="0" kern="1200" dirty="0" err="1" smtClean="0">
+                          <a:solidFill>
+                            <a:srgbClr val="0070C0"/>
+                          </a:solidFill>
+                          <a:effectLst/>
+                          <a:latin typeface="+mj-lt"/>
+                          <a:ea typeface="+mn-ea"/>
+                          <a:cs typeface="+mn-cs"/>
+                        </a:rPr>
+                        <a:t>constexpr</a:t>
+                      </a:r>
+                      <a:r>
+                        <a:rPr lang="en-US" sz="1800" b="0" i="0" kern="1200" dirty="0" smtClean="0">
+                          <a:solidFill>
+                            <a:srgbClr val="0070C0"/>
+                          </a:solidFill>
+                          <a:effectLst/>
+                          <a:latin typeface="+mj-lt"/>
+                          <a:ea typeface="+mn-ea"/>
+                          <a:cs typeface="+mn-cs"/>
+                        </a:rPr>
+                        <a:t> </a:t>
+                      </a:r>
+                      <a:r>
+                        <a:rPr lang="en-US" sz="1800" b="0" i="0" kern="1200" dirty="0" smtClean="0">
+                          <a:solidFill>
+                            <a:srgbClr val="00B0F0"/>
+                          </a:solidFill>
+                          <a:effectLst/>
+                          <a:latin typeface="+mj-lt"/>
+                          <a:ea typeface="+mn-ea"/>
+                          <a:cs typeface="+mn-cs"/>
+                        </a:rPr>
+                        <a:t>T</a:t>
+                      </a:r>
+                      <a:r>
+                        <a:rPr lang="en-US" sz="1800" b="0" i="0" kern="1200" dirty="0" smtClean="0">
+                          <a:solidFill>
+                            <a:schemeClr val="dk1"/>
+                          </a:solidFill>
+                          <a:effectLst/>
+                          <a:latin typeface="+mj-lt"/>
+                          <a:ea typeface="+mn-ea"/>
+                          <a:cs typeface="+mn-cs"/>
+                        </a:rPr>
+                        <a:t> pi = T(3.1415926535897932385);</a:t>
+                      </a:r>
+                    </a:p>
+                    <a:p>
+                      <a:r>
+                        <a:rPr lang="en-US" sz="1800" b="0" i="0" kern="1200" dirty="0" smtClean="0">
+                          <a:solidFill>
+                            <a:schemeClr val="dk1"/>
+                          </a:solidFill>
+                          <a:effectLst/>
+                          <a:latin typeface="+mj-lt"/>
+                          <a:ea typeface="+mn-ea"/>
+                          <a:cs typeface="+mn-cs"/>
+                        </a:rPr>
+                        <a:t>};</a:t>
+                      </a:r>
+                    </a:p>
+                    <a:p>
+                      <a:endParaRPr lang="en-US" sz="1800" b="0" i="0" kern="1200" dirty="0" smtClean="0">
+                        <a:solidFill>
+                          <a:schemeClr val="dk1"/>
+                        </a:solidFill>
+                        <a:effectLst/>
+                        <a:latin typeface="+mj-lt"/>
+                        <a:ea typeface="+mn-ea"/>
+                        <a:cs typeface="+mn-cs"/>
+                      </a:endParaRPr>
+                    </a:p>
+                    <a:p>
+                      <a:r>
+                        <a:rPr lang="en-US" sz="1800" b="0" i="0" kern="1200" dirty="0" err="1" smtClean="0">
+                          <a:solidFill>
+                            <a:srgbClr val="0070C0"/>
+                          </a:solidFill>
+                          <a:effectLst/>
+                          <a:latin typeface="+mj-lt"/>
+                          <a:ea typeface="+mn-ea"/>
+                          <a:cs typeface="+mn-cs"/>
+                        </a:rPr>
+                        <a:t>int</a:t>
+                      </a:r>
+                      <a:r>
+                        <a:rPr lang="en-US" sz="1800" b="0" i="0" kern="1200" dirty="0" smtClean="0">
+                          <a:solidFill>
+                            <a:srgbClr val="0070C0"/>
+                          </a:solidFill>
+                          <a:effectLst/>
+                          <a:latin typeface="+mj-lt"/>
+                          <a:ea typeface="+mn-ea"/>
+                          <a:cs typeface="+mn-cs"/>
+                        </a:rPr>
+                        <a:t> </a:t>
+                      </a:r>
+                      <a:r>
+                        <a:rPr lang="en-US" sz="1800" b="0" i="0" kern="1200" dirty="0" smtClean="0">
+                          <a:solidFill>
+                            <a:schemeClr val="dk1"/>
+                          </a:solidFill>
+                          <a:effectLst/>
+                          <a:latin typeface="+mj-lt"/>
+                          <a:ea typeface="+mn-ea"/>
+                          <a:cs typeface="+mn-cs"/>
+                        </a:rPr>
+                        <a:t>main()</a:t>
+                      </a:r>
+                    </a:p>
+                    <a:p>
+                      <a:r>
+                        <a:rPr lang="en-US" sz="1800" b="0" i="0" kern="1200" dirty="0" smtClean="0">
+                          <a:solidFill>
+                            <a:schemeClr val="dk1"/>
+                          </a:solidFill>
+                          <a:effectLst/>
+                          <a:latin typeface="+mj-lt"/>
+                          <a:ea typeface="+mn-ea"/>
+                          <a:cs typeface="+mn-cs"/>
+                        </a:rPr>
+                        <a:t>{</a:t>
+                      </a:r>
+                    </a:p>
+                    <a:p>
+                      <a:r>
+                        <a:rPr lang="en-US" sz="1800" b="0" i="0" kern="1200" dirty="0" smtClean="0">
+                          <a:solidFill>
+                            <a:schemeClr val="dk1"/>
+                          </a:solidFill>
+                          <a:effectLst/>
+                          <a:latin typeface="+mj-lt"/>
+                          <a:ea typeface="+mn-ea"/>
+                          <a:cs typeface="+mn-cs"/>
+                        </a:rPr>
+                        <a:t>  </a:t>
+                      </a:r>
+                      <a:r>
+                        <a:rPr lang="en-US" sz="1800" b="0" i="0" kern="1200" dirty="0" err="1" smtClean="0">
+                          <a:solidFill>
+                            <a:schemeClr val="dk1"/>
+                          </a:solidFill>
+                          <a:effectLst/>
+                          <a:latin typeface="+mj-lt"/>
+                          <a:ea typeface="+mn-ea"/>
+                          <a:cs typeface="+mn-cs"/>
+                        </a:rPr>
+                        <a:t>printf</a:t>
+                      </a:r>
+                      <a:r>
+                        <a:rPr lang="en-US" sz="1800" b="0" i="0" kern="1200" dirty="0" smtClean="0">
+                          <a:solidFill>
+                            <a:schemeClr val="dk1"/>
+                          </a:solidFill>
+                          <a:effectLst/>
+                          <a:latin typeface="+mj-lt"/>
+                          <a:ea typeface="+mn-ea"/>
+                          <a:cs typeface="+mn-cs"/>
+                        </a:rPr>
+                        <a:t>(</a:t>
+                      </a:r>
+                      <a:r>
+                        <a:rPr lang="en-US" sz="1800" b="0" i="0" kern="1200" dirty="0" smtClean="0">
+                          <a:solidFill>
+                            <a:srgbClr val="993300"/>
+                          </a:solidFill>
+                          <a:effectLst/>
+                          <a:latin typeface="+mj-lt"/>
+                          <a:ea typeface="+mn-ea"/>
+                          <a:cs typeface="+mn-cs"/>
+                        </a:rPr>
+                        <a:t>"%d\n"</a:t>
+                      </a:r>
+                      <a:r>
+                        <a:rPr lang="en-US" sz="1800" b="0" i="0" kern="1200" dirty="0" smtClean="0">
+                          <a:solidFill>
+                            <a:schemeClr val="dk1"/>
+                          </a:solidFill>
+                          <a:effectLst/>
+                          <a:latin typeface="+mj-lt"/>
+                          <a:ea typeface="+mn-ea"/>
+                          <a:cs typeface="+mn-cs"/>
+                        </a:rPr>
+                        <a:t>, PI&lt;</a:t>
+                      </a:r>
+                      <a:r>
+                        <a:rPr lang="en-US" sz="1800" b="0" i="0" kern="1200" dirty="0" err="1" smtClean="0">
+                          <a:solidFill>
+                            <a:srgbClr val="0070C0"/>
+                          </a:solidFill>
+                          <a:effectLst/>
+                          <a:latin typeface="+mj-lt"/>
+                          <a:ea typeface="+mn-ea"/>
+                          <a:cs typeface="+mn-cs"/>
+                        </a:rPr>
+                        <a:t>int</a:t>
+                      </a:r>
+                      <a:r>
+                        <a:rPr lang="en-US" sz="1800" b="0" i="0" kern="1200" dirty="0" smtClean="0">
+                          <a:solidFill>
+                            <a:schemeClr val="dk1"/>
+                          </a:solidFill>
+                          <a:effectLst/>
+                          <a:latin typeface="+mj-lt"/>
+                          <a:ea typeface="+mn-ea"/>
+                          <a:cs typeface="+mn-cs"/>
+                        </a:rPr>
+                        <a:t>&gt;::pi);</a:t>
+                      </a:r>
+                      <a:r>
+                        <a:rPr lang="en-US" sz="1800" b="0" i="0" kern="1200" dirty="0" smtClean="0">
+                          <a:solidFill>
+                            <a:srgbClr val="00B050"/>
+                          </a:solidFill>
+                          <a:effectLst/>
+                          <a:latin typeface="+mj-lt"/>
+                          <a:ea typeface="+mn-ea"/>
+                          <a:cs typeface="+mn-cs"/>
+                        </a:rPr>
+                        <a:t>//3</a:t>
+                      </a:r>
+                    </a:p>
+                    <a:p>
+                      <a:r>
+                        <a:rPr lang="en-US" sz="1800" b="0" i="0" kern="1200" dirty="0" smtClean="0">
+                          <a:solidFill>
+                            <a:schemeClr val="dk1"/>
+                          </a:solidFill>
+                          <a:effectLst/>
+                          <a:latin typeface="+mj-lt"/>
+                          <a:ea typeface="+mn-ea"/>
+                          <a:cs typeface="+mn-cs"/>
+                        </a:rPr>
+                        <a:t>  </a:t>
+                      </a:r>
+                      <a:r>
+                        <a:rPr lang="en-US" sz="1800" b="0" i="0" kern="1200" dirty="0" err="1" smtClean="0">
+                          <a:solidFill>
+                            <a:schemeClr val="dk1"/>
+                          </a:solidFill>
+                          <a:effectLst/>
+                          <a:latin typeface="+mj-lt"/>
+                          <a:ea typeface="+mn-ea"/>
+                          <a:cs typeface="+mn-cs"/>
+                        </a:rPr>
+                        <a:t>printf</a:t>
+                      </a:r>
+                      <a:r>
+                        <a:rPr lang="en-US" sz="1800" b="0" i="0" kern="1200" dirty="0" smtClean="0">
+                          <a:solidFill>
+                            <a:schemeClr val="dk1"/>
+                          </a:solidFill>
+                          <a:effectLst/>
+                          <a:latin typeface="+mj-lt"/>
+                          <a:ea typeface="+mn-ea"/>
+                          <a:cs typeface="+mn-cs"/>
+                        </a:rPr>
+                        <a:t>(</a:t>
+                      </a:r>
+                      <a:r>
+                        <a:rPr lang="en-US" sz="1800" b="0" i="0" kern="1200" dirty="0" smtClean="0">
+                          <a:solidFill>
+                            <a:srgbClr val="993300"/>
+                          </a:solidFill>
+                          <a:effectLst/>
+                          <a:latin typeface="+mj-lt"/>
+                          <a:ea typeface="+mn-ea"/>
+                          <a:cs typeface="+mn-cs"/>
+                        </a:rPr>
+                        <a:t>"%lf\n"</a:t>
+                      </a:r>
+                      <a:r>
+                        <a:rPr lang="en-US" sz="1800" b="0" i="0" kern="1200" dirty="0" smtClean="0">
+                          <a:solidFill>
+                            <a:schemeClr val="dk1"/>
+                          </a:solidFill>
+                          <a:effectLst/>
+                          <a:latin typeface="+mj-lt"/>
+                          <a:ea typeface="+mn-ea"/>
+                          <a:cs typeface="+mn-cs"/>
+                        </a:rPr>
+                        <a:t>, PI&lt;</a:t>
+                      </a:r>
+                      <a:r>
+                        <a:rPr lang="en-US" sz="1800" b="0" i="0" kern="1200" dirty="0" smtClean="0">
+                          <a:solidFill>
+                            <a:srgbClr val="0070C0"/>
+                          </a:solidFill>
+                          <a:effectLst/>
+                          <a:latin typeface="+mj-lt"/>
+                          <a:ea typeface="+mn-ea"/>
+                          <a:cs typeface="+mn-cs"/>
+                        </a:rPr>
+                        <a:t>double</a:t>
+                      </a:r>
+                      <a:r>
+                        <a:rPr lang="en-US" sz="1800" b="0" i="0" kern="1200" dirty="0" smtClean="0">
+                          <a:solidFill>
+                            <a:schemeClr val="dk1"/>
+                          </a:solidFill>
+                          <a:effectLst/>
+                          <a:latin typeface="+mj-lt"/>
+                          <a:ea typeface="+mn-ea"/>
+                          <a:cs typeface="+mn-cs"/>
+                        </a:rPr>
+                        <a:t>&gt;::pi);</a:t>
+                      </a:r>
+                      <a:r>
+                        <a:rPr lang="en-US" sz="1800" b="0" i="0" kern="1200" dirty="0" smtClean="0">
+                          <a:solidFill>
+                            <a:srgbClr val="00B050"/>
+                          </a:solidFill>
+                          <a:effectLst/>
+                          <a:latin typeface="+mj-lt"/>
+                          <a:ea typeface="+mn-ea"/>
+                          <a:cs typeface="+mn-cs"/>
+                        </a:rPr>
+                        <a:t>//3.141593</a:t>
+                      </a:r>
+                    </a:p>
+                    <a:p>
+                      <a:r>
+                        <a:rPr lang="en-US" sz="1800" b="0" i="0" kern="1200" dirty="0" smtClean="0">
+                          <a:solidFill>
+                            <a:schemeClr val="dk1"/>
+                          </a:solidFill>
+                          <a:effectLst/>
+                          <a:latin typeface="+mj-lt"/>
+                          <a:ea typeface="+mn-ea"/>
+                          <a:cs typeface="+mn-cs"/>
+                        </a:rPr>
+                        <a:t>  </a:t>
+                      </a:r>
+                      <a:r>
+                        <a:rPr lang="en-US" sz="1800" b="0" i="0" kern="1200" dirty="0" smtClean="0">
+                          <a:solidFill>
+                            <a:srgbClr val="0070C0"/>
+                          </a:solidFill>
+                          <a:effectLst/>
+                          <a:latin typeface="+mj-lt"/>
+                          <a:ea typeface="+mn-ea"/>
+                          <a:cs typeface="+mn-cs"/>
+                        </a:rPr>
+                        <a:t>return</a:t>
+                      </a:r>
+                      <a:r>
+                        <a:rPr lang="en-US" sz="1800" b="0" i="0" kern="1200" dirty="0" smtClean="0">
+                          <a:solidFill>
+                            <a:schemeClr val="dk1"/>
+                          </a:solidFill>
+                          <a:effectLst/>
+                          <a:latin typeface="+mj-lt"/>
+                          <a:ea typeface="+mn-ea"/>
+                          <a:cs typeface="+mn-cs"/>
+                        </a:rPr>
+                        <a:t> 0;</a:t>
+                      </a:r>
+                    </a:p>
+                    <a:p>
+                      <a:r>
+                        <a:rPr lang="en-US" sz="1800" b="0" i="0" kern="1200" dirty="0" smtClean="0">
+                          <a:solidFill>
+                            <a:schemeClr val="dk1"/>
+                          </a:solidFill>
+                          <a:effectLst/>
+                          <a:latin typeface="+mj-lt"/>
+                          <a:ea typeface="+mn-ea"/>
+                          <a:cs typeface="+mn-cs"/>
+                        </a:rPr>
+                        <a:t>}</a:t>
+                      </a:r>
+                    </a:p>
+                    <a:p>
+                      <a:endParaRPr lang="en-US" dirty="0"/>
+                    </a:p>
+                  </a:txBody>
+                  <a:tcPr/>
+                </a:tc>
+                <a:tc>
+                  <a:txBody>
+                    <a:bodyPr/>
+                    <a:lstStyle/>
+                    <a:p>
+                      <a:r>
+                        <a:rPr lang="en-US" sz="1800" b="0" i="0" kern="1200" dirty="0" smtClean="0">
+                          <a:solidFill>
+                            <a:srgbClr val="00B050"/>
+                          </a:solidFill>
+                          <a:effectLst/>
+                          <a:latin typeface="+mn-lt"/>
+                          <a:ea typeface="+mn-ea"/>
+                          <a:cs typeface="+mn-cs"/>
+                        </a:rPr>
+                        <a:t>//CODE 2</a:t>
+                      </a:r>
+                    </a:p>
+                    <a:p>
+                      <a:r>
+                        <a:rPr lang="en-US" sz="1800" b="0" i="0" kern="1200" dirty="0" smtClean="0">
+                          <a:solidFill>
+                            <a:schemeClr val="tx1">
+                              <a:lumMod val="65000"/>
+                              <a:lumOff val="35000"/>
+                            </a:schemeClr>
+                          </a:solidFill>
+                          <a:effectLst/>
+                          <a:latin typeface="+mn-lt"/>
+                          <a:ea typeface="+mn-ea"/>
+                          <a:cs typeface="+mn-cs"/>
+                        </a:rPr>
+                        <a:t>#include</a:t>
+                      </a:r>
+                      <a:r>
+                        <a:rPr lang="en-US" sz="1800" b="0" i="0" kern="1200" dirty="0" smtClean="0">
+                          <a:solidFill>
+                            <a:schemeClr val="dk1"/>
+                          </a:solidFill>
+                          <a:effectLst/>
+                          <a:latin typeface="+mn-lt"/>
+                          <a:ea typeface="+mn-ea"/>
+                          <a:cs typeface="+mn-cs"/>
+                        </a:rPr>
+                        <a:t>&lt;</a:t>
+                      </a:r>
+                      <a:r>
+                        <a:rPr lang="en-US" sz="1800" b="0" i="0" kern="1200" dirty="0" err="1" smtClean="0">
+                          <a:solidFill>
+                            <a:schemeClr val="dk1"/>
+                          </a:solidFill>
+                          <a:effectLst/>
+                          <a:latin typeface="+mn-lt"/>
+                          <a:ea typeface="+mn-ea"/>
+                          <a:cs typeface="+mn-cs"/>
+                        </a:rPr>
+                        <a:t>stdio.h</a:t>
+                      </a:r>
+                      <a:r>
+                        <a:rPr lang="en-US" sz="1800" b="0" i="0" kern="1200" dirty="0" smtClean="0">
+                          <a:solidFill>
+                            <a:schemeClr val="dk1"/>
+                          </a:solidFill>
+                          <a:effectLst/>
+                          <a:latin typeface="+mn-lt"/>
+                          <a:ea typeface="+mn-ea"/>
+                          <a:cs typeface="+mn-cs"/>
+                        </a:rPr>
+                        <a:t>&gt;</a:t>
+                      </a:r>
+                    </a:p>
+                    <a:p>
+                      <a:r>
+                        <a:rPr lang="en-US" sz="1800" b="0" i="0" kern="1200" dirty="0" smtClean="0">
+                          <a:solidFill>
+                            <a:srgbClr val="0070C0"/>
+                          </a:solidFill>
+                          <a:effectLst/>
+                          <a:latin typeface="+mn-lt"/>
+                          <a:ea typeface="+mn-ea"/>
+                          <a:cs typeface="+mn-cs"/>
+                        </a:rPr>
+                        <a:t>template</a:t>
+                      </a:r>
+                      <a:r>
+                        <a:rPr lang="en-US" sz="1800" b="0" i="0" kern="1200" dirty="0" smtClean="0">
+                          <a:solidFill>
+                            <a:schemeClr val="dk1"/>
+                          </a:solidFill>
+                          <a:effectLst/>
+                          <a:latin typeface="+mn-lt"/>
+                          <a:ea typeface="+mn-ea"/>
+                          <a:cs typeface="+mn-cs"/>
+                        </a:rPr>
+                        <a:t> &lt;</a:t>
+                      </a:r>
+                      <a:r>
+                        <a:rPr lang="en-US" sz="1800" b="0" i="0" kern="1200" dirty="0" err="1" smtClean="0">
+                          <a:solidFill>
+                            <a:srgbClr val="0070C0"/>
+                          </a:solidFill>
+                          <a:effectLst/>
+                          <a:latin typeface="+mn-lt"/>
+                          <a:ea typeface="+mn-ea"/>
+                          <a:cs typeface="+mn-cs"/>
+                        </a:rPr>
+                        <a:t>typename</a:t>
+                      </a:r>
+                      <a:r>
+                        <a:rPr lang="en-US" sz="1800" b="0" i="0" kern="1200" dirty="0" smtClean="0">
+                          <a:solidFill>
+                            <a:srgbClr val="0070C0"/>
+                          </a:solidFill>
+                          <a:effectLst/>
+                          <a:latin typeface="+mn-lt"/>
+                          <a:ea typeface="+mn-ea"/>
+                          <a:cs typeface="+mn-cs"/>
+                        </a:rPr>
+                        <a:t> </a:t>
+                      </a:r>
+                      <a:r>
+                        <a:rPr lang="en-US" sz="1800" b="0" i="0" kern="1200" dirty="0" smtClean="0">
+                          <a:solidFill>
+                            <a:srgbClr val="00B0F0"/>
+                          </a:solidFill>
+                          <a:effectLst/>
+                          <a:latin typeface="+mn-lt"/>
+                          <a:ea typeface="+mn-ea"/>
+                          <a:cs typeface="+mn-cs"/>
+                        </a:rPr>
+                        <a:t>T</a:t>
+                      </a:r>
+                      <a:r>
+                        <a:rPr lang="en-US" sz="1800" b="0" i="0" kern="1200" dirty="0" smtClean="0">
+                          <a:solidFill>
+                            <a:schemeClr val="dk1"/>
+                          </a:solidFill>
+                          <a:effectLst/>
+                          <a:latin typeface="+mn-lt"/>
+                          <a:ea typeface="+mn-ea"/>
+                          <a:cs typeface="+mn-cs"/>
+                        </a:rPr>
+                        <a:t>&gt;</a:t>
+                      </a:r>
+                    </a:p>
+                    <a:p>
+                      <a:r>
+                        <a:rPr lang="en-US" sz="1800" b="0" i="0" kern="1200" dirty="0" smtClean="0">
+                          <a:solidFill>
+                            <a:srgbClr val="00B0F0"/>
+                          </a:solidFill>
+                          <a:effectLst/>
+                          <a:latin typeface="+mn-lt"/>
+                          <a:ea typeface="+mn-ea"/>
+                          <a:cs typeface="+mn-cs"/>
+                        </a:rPr>
+                        <a:t>T</a:t>
+                      </a:r>
+                      <a:r>
+                        <a:rPr lang="en-US" sz="1800" b="0" i="0" kern="1200" dirty="0" smtClean="0">
+                          <a:solidFill>
+                            <a:schemeClr val="dk1"/>
+                          </a:solidFill>
+                          <a:effectLst/>
+                          <a:latin typeface="+mn-lt"/>
+                          <a:ea typeface="+mn-ea"/>
+                          <a:cs typeface="+mn-cs"/>
+                        </a:rPr>
+                        <a:t> PI()</a:t>
+                      </a:r>
+                    </a:p>
+                    <a:p>
+                      <a:r>
+                        <a:rPr lang="en-US" sz="1800" b="0" i="0" kern="1200" dirty="0" smtClean="0">
+                          <a:solidFill>
+                            <a:schemeClr val="dk1"/>
+                          </a:solidFill>
+                          <a:effectLst/>
+                          <a:latin typeface="+mn-lt"/>
+                          <a:ea typeface="+mn-ea"/>
+                          <a:cs typeface="+mn-cs"/>
+                        </a:rPr>
+                        <a:t>{</a:t>
+                      </a:r>
+                    </a:p>
+                    <a:p>
+                      <a:r>
+                        <a:rPr lang="en-US" sz="1800" b="0" i="0" kern="1200" dirty="0" smtClean="0">
+                          <a:solidFill>
+                            <a:schemeClr val="dk1"/>
+                          </a:solidFill>
+                          <a:effectLst/>
+                          <a:latin typeface="+mn-lt"/>
+                          <a:ea typeface="+mn-ea"/>
+                          <a:cs typeface="+mn-cs"/>
+                        </a:rPr>
+                        <a:t>  </a:t>
+                      </a:r>
+                      <a:r>
+                        <a:rPr lang="en-US" sz="1800" b="0" i="0" kern="1200" dirty="0" err="1" smtClean="0">
+                          <a:solidFill>
+                            <a:srgbClr val="0070C0"/>
+                          </a:solidFill>
+                          <a:effectLst/>
+                          <a:latin typeface="+mn-lt"/>
+                          <a:ea typeface="+mn-ea"/>
+                          <a:cs typeface="+mn-cs"/>
+                        </a:rPr>
+                        <a:t>constexpr</a:t>
+                      </a:r>
+                      <a:r>
+                        <a:rPr lang="en-US" sz="1800" b="0" i="0" kern="1200" dirty="0" smtClean="0">
+                          <a:solidFill>
+                            <a:srgbClr val="0070C0"/>
+                          </a:solidFill>
+                          <a:effectLst/>
+                          <a:latin typeface="+mn-lt"/>
+                          <a:ea typeface="+mn-ea"/>
+                          <a:cs typeface="+mn-cs"/>
+                        </a:rPr>
+                        <a:t> </a:t>
+                      </a:r>
+                      <a:r>
+                        <a:rPr lang="en-US" sz="1800" b="0" i="0" kern="1200" dirty="0" smtClean="0">
+                          <a:solidFill>
+                            <a:srgbClr val="00B0F0"/>
+                          </a:solidFill>
+                          <a:effectLst/>
+                          <a:latin typeface="+mn-lt"/>
+                          <a:ea typeface="+mn-ea"/>
+                          <a:cs typeface="+mn-cs"/>
+                        </a:rPr>
+                        <a:t>T</a:t>
+                      </a:r>
+                      <a:r>
+                        <a:rPr lang="en-US" sz="1800" b="0" i="0" kern="1200" dirty="0" smtClean="0">
+                          <a:solidFill>
+                            <a:schemeClr val="dk1"/>
+                          </a:solidFill>
+                          <a:effectLst/>
+                          <a:latin typeface="+mn-lt"/>
+                          <a:ea typeface="+mn-ea"/>
+                          <a:cs typeface="+mn-cs"/>
+                        </a:rPr>
+                        <a:t> pi = T(3.1415926535897932385);</a:t>
+                      </a:r>
+                    </a:p>
+                    <a:p>
+                      <a:r>
+                        <a:rPr lang="en-US" sz="1800" b="0" i="0" kern="1200" dirty="0" smtClean="0">
+                          <a:solidFill>
+                            <a:schemeClr val="dk1"/>
+                          </a:solidFill>
+                          <a:effectLst/>
+                          <a:latin typeface="+mn-lt"/>
+                          <a:ea typeface="+mn-ea"/>
+                          <a:cs typeface="+mn-cs"/>
+                        </a:rPr>
+                        <a:t>  </a:t>
+                      </a:r>
+                      <a:r>
+                        <a:rPr lang="en-US" sz="1800" b="0" i="0" kern="1200" dirty="0" smtClean="0">
+                          <a:solidFill>
+                            <a:srgbClr val="0070C0"/>
+                          </a:solidFill>
+                          <a:effectLst/>
+                          <a:latin typeface="+mn-lt"/>
+                          <a:ea typeface="+mn-ea"/>
+                          <a:cs typeface="+mn-cs"/>
+                        </a:rPr>
+                        <a:t>return</a:t>
+                      </a:r>
+                      <a:r>
+                        <a:rPr lang="en-US" sz="1800" b="0" i="0" kern="1200" dirty="0" smtClean="0">
+                          <a:solidFill>
+                            <a:schemeClr val="dk1"/>
+                          </a:solidFill>
+                          <a:effectLst/>
+                          <a:latin typeface="+mn-lt"/>
+                          <a:ea typeface="+mn-ea"/>
+                          <a:cs typeface="+mn-cs"/>
+                        </a:rPr>
+                        <a:t> pi;</a:t>
+                      </a:r>
+                    </a:p>
+                    <a:p>
+                      <a:r>
+                        <a:rPr lang="en-US" sz="1800" b="0" i="0" kern="1200" dirty="0" smtClean="0">
+                          <a:solidFill>
+                            <a:schemeClr val="dk1"/>
+                          </a:solidFill>
+                          <a:effectLst/>
+                          <a:latin typeface="+mn-lt"/>
+                          <a:ea typeface="+mn-ea"/>
+                          <a:cs typeface="+mn-cs"/>
+                        </a:rPr>
+                        <a:t>}</a:t>
+                      </a:r>
+                    </a:p>
+                    <a:p>
+                      <a:r>
+                        <a:rPr lang="en-US" sz="1800" b="0" i="0" kern="1200" dirty="0" err="1" smtClean="0">
+                          <a:solidFill>
+                            <a:srgbClr val="0070C0"/>
+                          </a:solidFill>
+                          <a:effectLst/>
+                          <a:latin typeface="+mn-lt"/>
+                          <a:ea typeface="+mn-ea"/>
+                          <a:cs typeface="+mn-cs"/>
+                        </a:rPr>
+                        <a:t>int</a:t>
+                      </a:r>
+                      <a:r>
+                        <a:rPr lang="en-US" sz="1800" b="0" i="0" kern="1200" dirty="0" smtClean="0">
+                          <a:solidFill>
+                            <a:srgbClr val="0070C0"/>
+                          </a:solidFill>
+                          <a:effectLst/>
+                          <a:latin typeface="+mn-lt"/>
+                          <a:ea typeface="+mn-ea"/>
+                          <a:cs typeface="+mn-cs"/>
+                        </a:rPr>
+                        <a:t> </a:t>
+                      </a:r>
+                      <a:r>
+                        <a:rPr lang="en-US" sz="1800" b="0" i="0" kern="1200" dirty="0" smtClean="0">
+                          <a:solidFill>
+                            <a:schemeClr val="dk1"/>
+                          </a:solidFill>
+                          <a:effectLst/>
+                          <a:latin typeface="+mn-lt"/>
+                          <a:ea typeface="+mn-ea"/>
+                          <a:cs typeface="+mn-cs"/>
+                        </a:rPr>
+                        <a:t>main()</a:t>
+                      </a:r>
+                    </a:p>
+                    <a:p>
+                      <a:r>
+                        <a:rPr lang="en-US" sz="1800" b="0" i="0" kern="1200" dirty="0" smtClean="0">
+                          <a:solidFill>
+                            <a:schemeClr val="dk1"/>
+                          </a:solidFill>
+                          <a:effectLst/>
+                          <a:latin typeface="+mn-lt"/>
+                          <a:ea typeface="+mn-ea"/>
+                          <a:cs typeface="+mn-cs"/>
+                        </a:rPr>
+                        <a:t>{</a:t>
+                      </a:r>
+                    </a:p>
+                    <a:p>
+                      <a:r>
+                        <a:rPr lang="en-US" sz="1800" b="0" i="0" kern="1200" dirty="0" smtClean="0">
+                          <a:solidFill>
+                            <a:schemeClr val="dk1"/>
+                          </a:solidFill>
+                          <a:effectLst/>
+                          <a:latin typeface="+mn-lt"/>
+                          <a:ea typeface="+mn-ea"/>
+                          <a:cs typeface="+mn-cs"/>
+                        </a:rPr>
+                        <a:t>  </a:t>
+                      </a:r>
+                      <a:r>
+                        <a:rPr lang="en-US" sz="1800" b="0" i="0" kern="1200" dirty="0" err="1" smtClean="0">
+                          <a:solidFill>
+                            <a:schemeClr val="dk1"/>
+                          </a:solidFill>
+                          <a:effectLst/>
+                          <a:latin typeface="+mn-lt"/>
+                          <a:ea typeface="+mn-ea"/>
+                          <a:cs typeface="+mn-cs"/>
+                        </a:rPr>
+                        <a:t>printf</a:t>
+                      </a:r>
+                      <a:r>
+                        <a:rPr lang="en-US" sz="1800" b="0" i="0" kern="1200" dirty="0" smtClean="0">
+                          <a:solidFill>
+                            <a:schemeClr val="dk1"/>
+                          </a:solidFill>
+                          <a:effectLst/>
+                          <a:latin typeface="+mn-lt"/>
+                          <a:ea typeface="+mn-ea"/>
+                          <a:cs typeface="+mn-cs"/>
+                        </a:rPr>
+                        <a:t>(</a:t>
+                      </a:r>
+                      <a:r>
+                        <a:rPr lang="en-US" sz="1800" b="0" i="0" kern="1200" dirty="0" smtClean="0">
+                          <a:solidFill>
+                            <a:srgbClr val="993300"/>
+                          </a:solidFill>
+                          <a:effectLst/>
+                          <a:latin typeface="+mn-lt"/>
+                          <a:ea typeface="+mn-ea"/>
+                          <a:cs typeface="+mn-cs"/>
+                        </a:rPr>
+                        <a:t>"%d\n"</a:t>
+                      </a:r>
+                      <a:r>
+                        <a:rPr lang="en-US" sz="1800" b="0" i="0" kern="1200" dirty="0" smtClean="0">
+                          <a:solidFill>
+                            <a:schemeClr val="dk1"/>
+                          </a:solidFill>
+                          <a:effectLst/>
+                          <a:latin typeface="+mn-lt"/>
+                          <a:ea typeface="+mn-ea"/>
+                          <a:cs typeface="+mn-cs"/>
+                        </a:rPr>
+                        <a:t>, PI&lt;</a:t>
+                      </a:r>
+                      <a:r>
+                        <a:rPr lang="en-US" sz="1800" b="0" i="0" kern="1200" dirty="0" err="1" smtClean="0">
+                          <a:solidFill>
+                            <a:srgbClr val="0070C0"/>
+                          </a:solidFill>
+                          <a:effectLst/>
+                          <a:latin typeface="+mn-lt"/>
+                          <a:ea typeface="+mn-ea"/>
+                          <a:cs typeface="+mn-cs"/>
+                        </a:rPr>
+                        <a:t>int</a:t>
+                      </a:r>
+                      <a:r>
+                        <a:rPr lang="en-US" sz="1800" b="0" i="0" kern="1200" dirty="0" smtClean="0">
+                          <a:solidFill>
+                            <a:schemeClr val="dk1"/>
+                          </a:solidFill>
+                          <a:effectLst/>
+                          <a:latin typeface="+mn-lt"/>
+                          <a:ea typeface="+mn-ea"/>
+                          <a:cs typeface="+mn-cs"/>
+                        </a:rPr>
+                        <a:t>&gt;());</a:t>
+                      </a:r>
+                      <a:r>
+                        <a:rPr lang="en-US" sz="1800" b="0" i="0" kern="1200" dirty="0" smtClean="0">
+                          <a:solidFill>
+                            <a:srgbClr val="00B050"/>
+                          </a:solidFill>
+                          <a:effectLst/>
+                          <a:latin typeface="+mn-lt"/>
+                          <a:ea typeface="+mn-ea"/>
+                          <a:cs typeface="+mn-cs"/>
+                        </a:rPr>
+                        <a:t> //3</a:t>
+                      </a:r>
+                      <a:endParaRPr lang="en-US" sz="1800" b="0" i="0" kern="1200" dirty="0" smtClean="0">
+                        <a:solidFill>
+                          <a:schemeClr val="dk1"/>
+                        </a:solidFill>
+                        <a:effectLst/>
+                        <a:latin typeface="+mn-lt"/>
+                        <a:ea typeface="+mn-ea"/>
+                        <a:cs typeface="+mn-cs"/>
+                      </a:endParaRPr>
+                    </a:p>
+                    <a:p>
+                      <a:r>
+                        <a:rPr lang="en-US" sz="1800" b="0" i="0" kern="1200" dirty="0" smtClean="0">
+                          <a:solidFill>
+                            <a:schemeClr val="dk1"/>
+                          </a:solidFill>
+                          <a:effectLst/>
+                          <a:latin typeface="+mn-lt"/>
+                          <a:ea typeface="+mn-ea"/>
+                          <a:cs typeface="+mn-cs"/>
+                        </a:rPr>
+                        <a:t>  </a:t>
+                      </a:r>
+                      <a:r>
+                        <a:rPr lang="en-US" sz="1800" b="0" i="0" kern="1200" dirty="0" err="1" smtClean="0">
+                          <a:solidFill>
+                            <a:schemeClr val="dk1"/>
+                          </a:solidFill>
+                          <a:effectLst/>
+                          <a:latin typeface="+mn-lt"/>
+                          <a:ea typeface="+mn-ea"/>
+                          <a:cs typeface="+mn-cs"/>
+                        </a:rPr>
+                        <a:t>printf</a:t>
+                      </a:r>
+                      <a:r>
+                        <a:rPr lang="en-US" sz="1800" b="0" i="0" kern="1200" dirty="0" smtClean="0">
+                          <a:solidFill>
+                            <a:schemeClr val="dk1"/>
+                          </a:solidFill>
+                          <a:effectLst/>
+                          <a:latin typeface="+mn-lt"/>
+                          <a:ea typeface="+mn-ea"/>
+                          <a:cs typeface="+mn-cs"/>
+                        </a:rPr>
+                        <a:t>(</a:t>
+                      </a:r>
+                      <a:r>
+                        <a:rPr lang="en-US" sz="1800" b="0" i="0" kern="1200" dirty="0" smtClean="0">
+                          <a:solidFill>
+                            <a:srgbClr val="993300"/>
+                          </a:solidFill>
+                          <a:effectLst/>
+                          <a:latin typeface="+mn-lt"/>
+                          <a:ea typeface="+mn-ea"/>
+                          <a:cs typeface="+mn-cs"/>
+                        </a:rPr>
+                        <a:t>"%lf\n"</a:t>
+                      </a:r>
+                      <a:r>
+                        <a:rPr lang="en-US" sz="1800" b="0" i="0" kern="1200" dirty="0" smtClean="0">
+                          <a:solidFill>
+                            <a:schemeClr val="dk1"/>
+                          </a:solidFill>
+                          <a:effectLst/>
+                          <a:latin typeface="+mn-lt"/>
+                          <a:ea typeface="+mn-ea"/>
+                          <a:cs typeface="+mn-cs"/>
+                        </a:rPr>
+                        <a:t>, PI&lt;</a:t>
+                      </a:r>
+                      <a:r>
+                        <a:rPr lang="en-US" sz="1800" b="0" i="0" kern="1200" dirty="0" smtClean="0">
+                          <a:solidFill>
+                            <a:srgbClr val="0070C0"/>
+                          </a:solidFill>
+                          <a:effectLst/>
+                          <a:latin typeface="+mn-lt"/>
+                          <a:ea typeface="+mn-ea"/>
+                          <a:cs typeface="+mn-cs"/>
+                        </a:rPr>
+                        <a:t>double</a:t>
+                      </a:r>
+                      <a:r>
+                        <a:rPr lang="en-US" sz="1800" b="0" i="0" kern="1200" dirty="0" smtClean="0">
+                          <a:solidFill>
+                            <a:schemeClr val="dk1"/>
+                          </a:solidFill>
+                          <a:effectLst/>
+                          <a:latin typeface="+mn-lt"/>
+                          <a:ea typeface="+mn-ea"/>
+                          <a:cs typeface="+mn-cs"/>
+                        </a:rPr>
+                        <a:t>&gt;());</a:t>
+                      </a:r>
+                      <a:r>
+                        <a:rPr lang="en-US" sz="1800" b="0" i="0" kern="1200" dirty="0" smtClean="0">
+                          <a:solidFill>
+                            <a:srgbClr val="00B050"/>
+                          </a:solidFill>
+                          <a:effectLst/>
+                          <a:latin typeface="+mn-lt"/>
+                          <a:ea typeface="+mn-ea"/>
+                          <a:cs typeface="+mn-cs"/>
+                        </a:rPr>
+                        <a:t> //3.141593</a:t>
+                      </a:r>
+                      <a:endParaRPr lang="en-US" sz="1800" b="0" i="0" kern="1200" dirty="0" smtClean="0">
+                        <a:solidFill>
+                          <a:schemeClr val="dk1"/>
+                        </a:solidFill>
+                        <a:effectLst/>
+                        <a:latin typeface="+mn-lt"/>
+                        <a:ea typeface="+mn-ea"/>
+                        <a:cs typeface="+mn-cs"/>
+                      </a:endParaRPr>
+                    </a:p>
+                    <a:p>
+                      <a:r>
+                        <a:rPr lang="en-US" sz="1800" b="0" i="0" kern="1200" dirty="0" smtClean="0">
+                          <a:solidFill>
+                            <a:schemeClr val="dk1"/>
+                          </a:solidFill>
+                          <a:effectLst/>
+                          <a:latin typeface="+mn-lt"/>
+                          <a:ea typeface="+mn-ea"/>
+                          <a:cs typeface="+mn-cs"/>
+                        </a:rPr>
+                        <a:t>  </a:t>
+                      </a:r>
+                      <a:r>
+                        <a:rPr lang="en-US" sz="1800" b="0" i="0" kern="1200" dirty="0" smtClean="0">
+                          <a:solidFill>
+                            <a:srgbClr val="0070C0"/>
+                          </a:solidFill>
+                          <a:effectLst/>
+                          <a:latin typeface="+mn-lt"/>
+                          <a:ea typeface="+mn-ea"/>
+                          <a:cs typeface="+mn-cs"/>
+                        </a:rPr>
+                        <a:t>return</a:t>
+                      </a:r>
+                      <a:r>
+                        <a:rPr lang="en-US" sz="1800" b="0" i="0" kern="1200" dirty="0" smtClean="0">
+                          <a:solidFill>
+                            <a:schemeClr val="dk1"/>
+                          </a:solidFill>
+                          <a:effectLst/>
+                          <a:latin typeface="+mn-lt"/>
+                          <a:ea typeface="+mn-ea"/>
+                          <a:cs typeface="+mn-cs"/>
+                        </a:rPr>
+                        <a:t> 0;</a:t>
+                      </a:r>
+                    </a:p>
+                    <a:p>
+                      <a:r>
+                        <a:rPr lang="en-US" sz="1800" b="0" i="0" kern="1200" dirty="0" smtClean="0">
+                          <a:solidFill>
+                            <a:schemeClr val="dk1"/>
+                          </a:solidFill>
+                          <a:effectLst/>
+                          <a:latin typeface="+mn-lt"/>
+                          <a:ea typeface="+mn-ea"/>
+                          <a:cs typeface="+mn-cs"/>
+                        </a:rPr>
+                        <a:t>}</a:t>
+                      </a:r>
+                    </a:p>
+                    <a:p>
+                      <a:endParaRPr lang="en-US" dirty="0"/>
+                    </a:p>
+                  </a:txBody>
+                  <a:tcPr/>
+                </a:tc>
+              </a:tr>
+            </a:tbl>
+          </a:graphicData>
+        </a:graphic>
+      </p:graphicFrame>
+    </p:spTree>
+    <p:extLst>
+      <p:ext uri="{BB962C8B-B14F-4D97-AF65-F5344CB8AC3E}">
+        <p14:creationId xmlns:p14="http://schemas.microsoft.com/office/powerpoint/2010/main" val="477469058"/>
+      </p:ext>
+    </p:extLst>
+  </p:cSld>
+  <p:clrMapOvr>
+    <a:masterClrMapping/>
+  </p:clrMapOvr>
+</p:sld>
+</file>
+
+<file path=ppt/slides/slide14.xml><?xml version="1.0" encoding="utf-8"?>
+<p:sld xmlns:a="http://schemas.openxmlformats.org/drawingml/2006/main" xmlns:r="http://schemas.openxmlformats.org/officeDocument/2006/relationships" xmlns:p="http://schemas.openxmlformats.org/presentationml/2006/main">
+  <p:cSld>
+    <p:spTree>
+      <p:nvGrpSpPr>
+        <p:cNvPr id="1" name=""/>
+        <p:cNvGrpSpPr/>
+        <p:nvPr/>
+      </p:nvGrpSpPr>
+      <p:grpSpPr>
+        <a:xfrm>
+          <a:off x="0" y="0"/>
+          <a:ext cx="0" cy="0"/>
+          <a:chOff x="0" y="0"/>
+          <a:chExt cx="0" cy="0"/>
+        </a:xfrm>
+      </p:grpSpPr>
+      <p:sp>
+        <p:nvSpPr>
+          <p:cNvPr id="2" name="Title 1"/>
+          <p:cNvSpPr>
+            <a:spLocks noGrp="1"/>
+          </p:cNvSpPr>
+          <p:nvPr>
+            <p:ph type="title"/>
+          </p:nvPr>
+        </p:nvSpPr>
+        <p:spPr>
+          <a:xfrm>
+            <a:off x="838200" y="365126"/>
+            <a:ext cx="4460913" cy="538257"/>
+          </a:xfrm>
+        </p:spPr>
+        <p:txBody>
+          <a:bodyPr>
+            <a:normAutofit/>
+          </a:bodyPr>
+          <a:lstStyle/>
+          <a:p>
+            <a:r>
+              <a:rPr lang="en-US" sz="3200" dirty="0">
+                <a:solidFill>
+                  <a:schemeClr val="accent2"/>
+                </a:solidFill>
+              </a:rPr>
+              <a:t>variable </a:t>
+            </a:r>
+            <a:r>
+              <a:rPr lang="en-US" sz="3200" dirty="0" smtClean="0">
+                <a:solidFill>
+                  <a:schemeClr val="accent2"/>
+                </a:solidFill>
+              </a:rPr>
+              <a:t>templates (cont.)</a:t>
+            </a:r>
+            <a:endParaRPr lang="en-US" sz="3200" dirty="0"/>
+          </a:p>
+        </p:txBody>
+      </p:sp>
+      <p:graphicFrame>
+        <p:nvGraphicFramePr>
+          <p:cNvPr id="4" name="Table 3"/>
+          <p:cNvGraphicFramePr>
+            <a:graphicFrameLocks noGrp="1"/>
+          </p:cNvGraphicFramePr>
+          <p:nvPr>
+            <p:extLst>
+              <p:ext uri="{D42A27DB-BD31-4B8C-83A1-F6EECF244321}">
+                <p14:modId xmlns:p14="http://schemas.microsoft.com/office/powerpoint/2010/main" val="2974719101"/>
+              </p:ext>
+            </p:extLst>
+          </p:nvPr>
+        </p:nvGraphicFramePr>
+        <p:xfrm>
+          <a:off x="1558273" y="1160340"/>
+          <a:ext cx="9073003" cy="5096240"/>
+        </p:xfrm>
+        <a:graphic>
+          <a:graphicData uri="http://schemas.openxmlformats.org/drawingml/2006/table">
+            <a:tbl>
+              <a:tblPr firstRow="1" bandRow="1">
+                <a:tableStyleId>{5C22544A-7EE6-4342-B048-85BDC9FD1C3A}</a:tableStyleId>
+              </a:tblPr>
+              <a:tblGrid>
+                <a:gridCol w="9073003"/>
+              </a:tblGrid>
+              <a:tr h="615680">
+                <a:tc>
+                  <a:txBody>
+                    <a:bodyPr/>
+                    <a:lstStyle/>
+                    <a:p>
+                      <a:r>
+                        <a:rPr lang="en-US" dirty="0" smtClean="0"/>
+                        <a:t>C++14</a:t>
+                      </a:r>
+                      <a:endParaRPr lang="en-US" dirty="0"/>
+                    </a:p>
+                  </a:txBody>
+                  <a:tcPr/>
+                </a:tc>
+              </a:tr>
+              <a:tr h="3027334">
+                <a:tc>
+                  <a:txBody>
+                    <a:bodyPr/>
+                    <a:lstStyle/>
+                    <a:p>
+                      <a:r>
+                        <a:rPr lang="en-US" sz="1800" b="0" i="0" kern="1200" dirty="0" smtClean="0">
+                          <a:solidFill>
+                            <a:schemeClr val="dk1"/>
+                          </a:solidFill>
+                          <a:effectLst/>
+                          <a:latin typeface="+mn-lt"/>
+                          <a:ea typeface="+mn-ea"/>
+                          <a:cs typeface="+mn-cs"/>
+                        </a:rPr>
+                        <a:t>#include &lt;</a:t>
+                      </a:r>
+                      <a:r>
+                        <a:rPr lang="en-US" sz="1800" b="0" i="0" kern="1200" dirty="0" err="1" smtClean="0">
+                          <a:solidFill>
+                            <a:schemeClr val="dk1"/>
+                          </a:solidFill>
+                          <a:effectLst/>
+                          <a:latin typeface="+mn-lt"/>
+                          <a:ea typeface="+mn-ea"/>
+                          <a:cs typeface="+mn-cs"/>
+                        </a:rPr>
+                        <a:t>stdio.h</a:t>
+                      </a:r>
+                      <a:r>
+                        <a:rPr lang="en-US" sz="1800" b="0" i="0" kern="1200" dirty="0" smtClean="0">
+                          <a:solidFill>
+                            <a:schemeClr val="dk1"/>
+                          </a:solidFill>
+                          <a:effectLst/>
+                          <a:latin typeface="+mn-lt"/>
+                          <a:ea typeface="+mn-ea"/>
+                          <a:cs typeface="+mn-cs"/>
+                        </a:rPr>
+                        <a:t>&gt;</a:t>
+                      </a:r>
+                    </a:p>
+                    <a:p>
+                      <a:endParaRPr lang="en-US" sz="1800" b="0" i="0" kern="1200" dirty="0" smtClean="0">
+                        <a:solidFill>
+                          <a:schemeClr val="dk1"/>
+                        </a:solidFill>
+                        <a:effectLst/>
+                        <a:latin typeface="+mn-lt"/>
+                        <a:ea typeface="+mn-ea"/>
+                        <a:cs typeface="+mn-cs"/>
+                      </a:endParaRPr>
+                    </a:p>
+                    <a:p>
+                      <a:r>
+                        <a:rPr lang="fr-FR" sz="1800" b="0" i="0" kern="1200" dirty="0" err="1" smtClean="0">
+                          <a:solidFill>
+                            <a:srgbClr val="0070C0"/>
+                          </a:solidFill>
+                          <a:effectLst/>
+                          <a:latin typeface="+mn-lt"/>
+                          <a:ea typeface="+mn-ea"/>
+                          <a:cs typeface="+mn-cs"/>
+                        </a:rPr>
+                        <a:t>template</a:t>
+                      </a:r>
+                      <a:r>
+                        <a:rPr lang="fr-FR" sz="1800" b="0" i="0" kern="1200" dirty="0" smtClean="0">
+                          <a:solidFill>
+                            <a:schemeClr val="dk1"/>
+                          </a:solidFill>
+                          <a:effectLst/>
+                          <a:latin typeface="+mn-lt"/>
+                          <a:ea typeface="+mn-ea"/>
+                          <a:cs typeface="+mn-cs"/>
+                        </a:rPr>
+                        <a:t>&lt;</a:t>
+                      </a:r>
+                      <a:r>
+                        <a:rPr lang="fr-FR" sz="1800" b="0" i="0" kern="1200" dirty="0" err="1" smtClean="0">
+                          <a:solidFill>
+                            <a:srgbClr val="0070C0"/>
+                          </a:solidFill>
+                          <a:effectLst/>
+                          <a:latin typeface="+mn-lt"/>
+                          <a:ea typeface="+mn-ea"/>
+                          <a:cs typeface="+mn-cs"/>
+                        </a:rPr>
+                        <a:t>typename</a:t>
+                      </a:r>
+                      <a:r>
+                        <a:rPr lang="fr-FR" sz="1800" b="0" i="0" kern="1200" dirty="0" smtClean="0">
+                          <a:solidFill>
+                            <a:schemeClr val="dk1"/>
+                          </a:solidFill>
+                          <a:effectLst/>
+                          <a:latin typeface="+mn-lt"/>
+                          <a:ea typeface="+mn-ea"/>
+                          <a:cs typeface="+mn-cs"/>
+                        </a:rPr>
+                        <a:t> </a:t>
+                      </a:r>
+                      <a:r>
+                        <a:rPr lang="fr-FR" sz="1800" b="0" i="0" kern="1200" dirty="0" smtClean="0">
+                          <a:solidFill>
+                            <a:srgbClr val="00B0F0"/>
+                          </a:solidFill>
+                          <a:effectLst/>
+                          <a:latin typeface="+mn-lt"/>
+                          <a:ea typeface="+mn-ea"/>
+                          <a:cs typeface="+mn-cs"/>
+                        </a:rPr>
+                        <a:t>T</a:t>
+                      </a:r>
+                      <a:r>
+                        <a:rPr lang="fr-FR" sz="1800" b="0" i="0" kern="1200" dirty="0" smtClean="0">
+                          <a:solidFill>
+                            <a:schemeClr val="dk1"/>
+                          </a:solidFill>
+                          <a:effectLst/>
+                          <a:latin typeface="+mn-lt"/>
+                          <a:ea typeface="+mn-ea"/>
+                          <a:cs typeface="+mn-cs"/>
+                        </a:rPr>
+                        <a:t>&gt;</a:t>
+                      </a:r>
+                    </a:p>
+                    <a:p>
+                      <a:r>
+                        <a:rPr lang="fr-FR" sz="1800" b="0" i="0" kern="1200" dirty="0" smtClean="0">
+                          <a:solidFill>
+                            <a:schemeClr val="dk1"/>
+                          </a:solidFill>
+                          <a:effectLst/>
+                          <a:latin typeface="+mn-lt"/>
+                          <a:ea typeface="+mn-ea"/>
+                          <a:cs typeface="+mn-cs"/>
+                        </a:rPr>
+                        <a:t> </a:t>
+                      </a:r>
+                      <a:r>
+                        <a:rPr lang="fr-FR" sz="1800" b="0" i="0" kern="1200" dirty="0" smtClean="0">
+                          <a:solidFill>
+                            <a:srgbClr val="00B0F0"/>
+                          </a:solidFill>
+                          <a:effectLst/>
+                          <a:latin typeface="+mn-lt"/>
+                          <a:ea typeface="+mn-ea"/>
+                          <a:cs typeface="+mn-cs"/>
+                        </a:rPr>
+                        <a:t> T </a:t>
+                      </a:r>
+                      <a:r>
+                        <a:rPr lang="fr-FR" sz="1800" b="0" i="0" kern="1200" dirty="0" smtClean="0">
+                          <a:solidFill>
+                            <a:schemeClr val="dk1"/>
+                          </a:solidFill>
+                          <a:effectLst/>
+                          <a:latin typeface="+mn-lt"/>
+                          <a:ea typeface="+mn-ea"/>
+                          <a:cs typeface="+mn-cs"/>
+                        </a:rPr>
+                        <a:t>PI = T(3.1415926535897932385);</a:t>
+                      </a:r>
+                    </a:p>
+                    <a:p>
+                      <a:endParaRPr lang="en-US" dirty="0" smtClean="0"/>
+                    </a:p>
+                    <a:p>
+                      <a:r>
+                        <a:rPr lang="en-US" sz="1800" b="0" i="0" kern="1200" dirty="0" err="1" smtClean="0">
+                          <a:solidFill>
+                            <a:srgbClr val="0070C0"/>
+                          </a:solidFill>
+                          <a:effectLst/>
+                          <a:latin typeface="+mn-lt"/>
+                          <a:ea typeface="+mn-ea"/>
+                          <a:cs typeface="+mn-cs"/>
+                        </a:rPr>
+                        <a:t>int</a:t>
+                      </a:r>
+                      <a:r>
+                        <a:rPr lang="en-US" sz="1800" b="0" i="0" kern="1200" dirty="0" smtClean="0">
+                          <a:solidFill>
+                            <a:srgbClr val="0070C0"/>
+                          </a:solidFill>
+                          <a:effectLst/>
+                          <a:latin typeface="+mn-lt"/>
+                          <a:ea typeface="+mn-ea"/>
+                          <a:cs typeface="+mn-cs"/>
+                        </a:rPr>
+                        <a:t> </a:t>
+                      </a:r>
+                      <a:r>
+                        <a:rPr lang="en-US" sz="1800" b="0" i="0" kern="1200" dirty="0" smtClean="0">
+                          <a:solidFill>
+                            <a:schemeClr val="dk1"/>
+                          </a:solidFill>
+                          <a:effectLst/>
+                          <a:latin typeface="+mn-lt"/>
+                          <a:ea typeface="+mn-ea"/>
+                          <a:cs typeface="+mn-cs"/>
+                        </a:rPr>
+                        <a:t>main()</a:t>
+                      </a:r>
+                    </a:p>
+                    <a:p>
+                      <a:r>
+                        <a:rPr lang="en-US" sz="1800" b="0" i="0" kern="1200" dirty="0" smtClean="0">
+                          <a:solidFill>
+                            <a:schemeClr val="dk1"/>
+                          </a:solidFill>
+                          <a:effectLst/>
+                          <a:latin typeface="+mn-lt"/>
+                          <a:ea typeface="+mn-ea"/>
+                          <a:cs typeface="+mn-cs"/>
+                        </a:rPr>
+                        <a:t>{</a:t>
+                      </a:r>
+                    </a:p>
+                    <a:p>
+                      <a:r>
+                        <a:rPr lang="en-US" sz="1800" b="0" i="0" kern="1200" dirty="0" smtClean="0">
+                          <a:solidFill>
+                            <a:schemeClr val="dk1"/>
+                          </a:solidFill>
+                          <a:effectLst/>
+                          <a:latin typeface="+mn-lt"/>
+                          <a:ea typeface="+mn-ea"/>
+                          <a:cs typeface="+mn-cs"/>
+                        </a:rPr>
+                        <a:t>  </a:t>
+                      </a:r>
+                      <a:r>
+                        <a:rPr lang="en-US" sz="1800" b="0" i="0" kern="1200" dirty="0" err="1" smtClean="0">
+                          <a:solidFill>
+                            <a:schemeClr val="dk1"/>
+                          </a:solidFill>
+                          <a:effectLst/>
+                          <a:latin typeface="+mn-lt"/>
+                          <a:ea typeface="+mn-ea"/>
+                          <a:cs typeface="+mn-cs"/>
+                        </a:rPr>
+                        <a:t>printf</a:t>
+                      </a:r>
+                      <a:r>
+                        <a:rPr lang="en-US" sz="1800" b="0" i="0" kern="1200" dirty="0" smtClean="0">
+                          <a:solidFill>
+                            <a:schemeClr val="dk1"/>
+                          </a:solidFill>
+                          <a:effectLst/>
+                          <a:latin typeface="+mn-lt"/>
+                          <a:ea typeface="+mn-ea"/>
+                          <a:cs typeface="+mn-cs"/>
+                        </a:rPr>
+                        <a:t>(</a:t>
+                      </a:r>
+                      <a:r>
+                        <a:rPr lang="en-US" sz="1800" b="0" i="0" kern="1200" dirty="0" smtClean="0">
+                          <a:solidFill>
+                            <a:srgbClr val="993300"/>
+                          </a:solidFill>
+                          <a:effectLst/>
+                          <a:latin typeface="+mn-lt"/>
+                          <a:ea typeface="+mn-ea"/>
+                          <a:cs typeface="+mn-cs"/>
+                        </a:rPr>
+                        <a:t>"PI: %d\n"</a:t>
+                      </a:r>
+                      <a:r>
+                        <a:rPr lang="en-US" sz="1800" b="0" i="0" kern="1200" dirty="0" smtClean="0">
+                          <a:solidFill>
+                            <a:schemeClr val="dk1"/>
+                          </a:solidFill>
+                          <a:effectLst/>
+                          <a:latin typeface="+mn-lt"/>
+                          <a:ea typeface="+mn-ea"/>
+                          <a:cs typeface="+mn-cs"/>
+                        </a:rPr>
+                        <a:t>, PI&lt;</a:t>
+                      </a:r>
+                      <a:r>
+                        <a:rPr lang="en-US" sz="1800" b="0" i="0" kern="1200" dirty="0" err="1" smtClean="0">
+                          <a:solidFill>
+                            <a:srgbClr val="0070C0"/>
+                          </a:solidFill>
+                          <a:effectLst/>
+                          <a:latin typeface="+mn-lt"/>
+                          <a:ea typeface="+mn-ea"/>
+                          <a:cs typeface="+mn-cs"/>
+                        </a:rPr>
+                        <a:t>int</a:t>
+                      </a:r>
+                      <a:r>
+                        <a:rPr lang="en-US" sz="1800" b="0" i="0" kern="1200" dirty="0" smtClean="0">
+                          <a:solidFill>
+                            <a:schemeClr val="dk1"/>
+                          </a:solidFill>
+                          <a:effectLst/>
+                          <a:latin typeface="+mn-lt"/>
+                          <a:ea typeface="+mn-ea"/>
+                          <a:cs typeface="+mn-cs"/>
+                        </a:rPr>
+                        <a:t>&gt;); </a:t>
+                      </a:r>
+                      <a:r>
+                        <a:rPr lang="en-US" sz="1800" b="0" i="0" kern="1200" dirty="0" smtClean="0">
+                          <a:solidFill>
+                            <a:srgbClr val="00B050"/>
+                          </a:solidFill>
+                          <a:effectLst/>
+                          <a:latin typeface="+mn-lt"/>
+                          <a:ea typeface="+mn-ea"/>
+                          <a:cs typeface="+mn-cs"/>
+                        </a:rPr>
+                        <a:t>//PI: 2</a:t>
+                      </a:r>
+                    </a:p>
+                    <a:p>
+                      <a:r>
+                        <a:rPr lang="en-US" sz="1800" b="0" i="0" kern="1200" dirty="0" smtClean="0">
+                          <a:solidFill>
+                            <a:schemeClr val="dk1"/>
+                          </a:solidFill>
+                          <a:effectLst/>
+                          <a:latin typeface="+mn-lt"/>
+                          <a:ea typeface="+mn-ea"/>
+                          <a:cs typeface="+mn-cs"/>
+                        </a:rPr>
+                        <a:t>  </a:t>
+                      </a:r>
+                      <a:r>
+                        <a:rPr lang="en-US" sz="1800" b="0" i="0" kern="1200" dirty="0" err="1" smtClean="0">
+                          <a:solidFill>
+                            <a:schemeClr val="dk1"/>
+                          </a:solidFill>
+                          <a:effectLst/>
+                          <a:latin typeface="+mn-lt"/>
+                          <a:ea typeface="+mn-ea"/>
+                          <a:cs typeface="+mn-cs"/>
+                        </a:rPr>
+                        <a:t>printf</a:t>
+                      </a:r>
+                      <a:r>
+                        <a:rPr lang="en-US" sz="1800" b="0" i="0" kern="1200" dirty="0" smtClean="0">
+                          <a:solidFill>
+                            <a:schemeClr val="dk1"/>
+                          </a:solidFill>
+                          <a:effectLst/>
+                          <a:latin typeface="+mn-lt"/>
+                          <a:ea typeface="+mn-ea"/>
+                          <a:cs typeface="+mn-cs"/>
+                        </a:rPr>
+                        <a:t>(</a:t>
+                      </a:r>
+                      <a:r>
+                        <a:rPr lang="en-US" sz="1800" b="0" i="0" kern="1200" dirty="0" smtClean="0">
+                          <a:solidFill>
+                            <a:srgbClr val="993300"/>
+                          </a:solidFill>
+                          <a:effectLst/>
+                          <a:latin typeface="+mn-lt"/>
+                          <a:ea typeface="+mn-ea"/>
+                          <a:cs typeface="+mn-cs"/>
+                        </a:rPr>
+                        <a:t>"PI:  %lf\n"</a:t>
+                      </a:r>
+                      <a:r>
+                        <a:rPr lang="en-US" sz="1800" b="0" i="0" kern="1200" dirty="0" smtClean="0">
+                          <a:solidFill>
+                            <a:schemeClr val="dk1"/>
+                          </a:solidFill>
+                          <a:effectLst/>
+                          <a:latin typeface="+mn-lt"/>
+                          <a:ea typeface="+mn-ea"/>
+                          <a:cs typeface="+mn-cs"/>
+                        </a:rPr>
+                        <a:t>, PI&lt;</a:t>
+                      </a:r>
+                      <a:r>
+                        <a:rPr lang="en-US" sz="1800" b="0" i="0" kern="1200" dirty="0" smtClean="0">
+                          <a:solidFill>
+                            <a:srgbClr val="0070C0"/>
+                          </a:solidFill>
+                          <a:effectLst/>
+                          <a:latin typeface="+mn-lt"/>
+                          <a:ea typeface="+mn-ea"/>
+                          <a:cs typeface="+mn-cs"/>
+                        </a:rPr>
+                        <a:t>double</a:t>
+                      </a:r>
+                      <a:r>
+                        <a:rPr lang="en-US" sz="1800" b="0" i="0" kern="1200" dirty="0" smtClean="0">
+                          <a:solidFill>
+                            <a:schemeClr val="dk1"/>
+                          </a:solidFill>
+                          <a:effectLst/>
+                          <a:latin typeface="+mn-lt"/>
+                          <a:ea typeface="+mn-ea"/>
+                          <a:cs typeface="+mn-cs"/>
+                        </a:rPr>
+                        <a:t>&gt;); </a:t>
+                      </a:r>
+                      <a:r>
+                        <a:rPr lang="en-US" sz="1800" b="0" i="0" kern="1200" dirty="0" smtClean="0">
+                          <a:solidFill>
+                            <a:srgbClr val="00B050"/>
+                          </a:solidFill>
+                          <a:effectLst/>
+                          <a:latin typeface="+mn-lt"/>
+                          <a:ea typeface="+mn-ea"/>
+                          <a:cs typeface="+mn-cs"/>
+                        </a:rPr>
+                        <a:t>//PI: 3.141593</a:t>
+                      </a:r>
+                    </a:p>
+                    <a:p>
+                      <a:endParaRPr lang="en-US" sz="1800" b="0" i="0" kern="1200" dirty="0" smtClean="0">
+                        <a:solidFill>
+                          <a:srgbClr val="00B050"/>
+                        </a:solidFill>
+                        <a:effectLst/>
+                        <a:latin typeface="+mn-lt"/>
+                        <a:ea typeface="+mn-ea"/>
+                        <a:cs typeface="+mn-cs"/>
+                      </a:endParaRPr>
+                    </a:p>
+                    <a:p>
+                      <a:r>
+                        <a:rPr lang="en-US" sz="1800" b="0" i="0" kern="1200" dirty="0" smtClean="0">
+                          <a:solidFill>
+                            <a:schemeClr val="dk1"/>
+                          </a:solidFill>
+                          <a:effectLst/>
+                          <a:latin typeface="+mn-lt"/>
+                          <a:ea typeface="+mn-ea"/>
+                          <a:cs typeface="+mn-cs"/>
+                        </a:rPr>
+                        <a:t>  PI&lt;</a:t>
+                      </a:r>
+                      <a:r>
+                        <a:rPr lang="en-US" sz="1800" b="0" i="0" kern="1200" dirty="0" smtClean="0">
+                          <a:solidFill>
+                            <a:srgbClr val="0070C0"/>
+                          </a:solidFill>
+                          <a:effectLst/>
+                          <a:latin typeface="+mn-lt"/>
+                          <a:ea typeface="+mn-ea"/>
+                          <a:cs typeface="+mn-cs"/>
+                        </a:rPr>
+                        <a:t>double</a:t>
+                      </a:r>
+                      <a:r>
+                        <a:rPr lang="en-US" sz="1800" b="0" i="0" kern="1200" dirty="0" smtClean="0">
+                          <a:solidFill>
+                            <a:schemeClr val="dk1"/>
+                          </a:solidFill>
+                          <a:effectLst/>
+                          <a:latin typeface="+mn-lt"/>
+                          <a:ea typeface="+mn-ea"/>
+                          <a:cs typeface="+mn-cs"/>
+                        </a:rPr>
+                        <a:t>&gt; = 0.68;</a:t>
+                      </a:r>
+                    </a:p>
+                    <a:p>
+                      <a:pPr marL="0" marR="0" indent="0" algn="l" defTabSz="914400" rtl="0" eaLnBrk="1" fontAlgn="auto" latinLnBrk="0" hangingPunct="1">
+                        <a:lnSpc>
+                          <a:spcPct val="100000"/>
+                        </a:lnSpc>
+                        <a:spcBef>
+                          <a:spcPts val="0"/>
+                        </a:spcBef>
+                        <a:spcAft>
+                          <a:spcPts val="0"/>
+                        </a:spcAft>
+                        <a:buClrTx/>
+                        <a:buSzTx/>
+                        <a:buFontTx/>
+                        <a:buNone/>
+                        <a:tabLst/>
+                        <a:defRPr/>
+                      </a:pPr>
+                      <a:r>
+                        <a:rPr lang="en-US" sz="1800" b="0" i="0" kern="1200" dirty="0" smtClean="0">
+                          <a:solidFill>
+                            <a:schemeClr val="dk1"/>
+                          </a:solidFill>
+                          <a:effectLst/>
+                          <a:latin typeface="+mn-lt"/>
+                          <a:ea typeface="+mn-ea"/>
+                          <a:cs typeface="+mn-cs"/>
+                        </a:rPr>
+                        <a:t>  </a:t>
+                      </a:r>
+                      <a:r>
+                        <a:rPr lang="en-US" sz="1800" b="0" i="0" kern="1200" dirty="0" err="1" smtClean="0">
+                          <a:solidFill>
+                            <a:schemeClr val="dk1"/>
+                          </a:solidFill>
+                          <a:effectLst/>
+                          <a:latin typeface="+mn-lt"/>
+                          <a:ea typeface="+mn-ea"/>
+                          <a:cs typeface="+mn-cs"/>
+                        </a:rPr>
+                        <a:t>printf</a:t>
+                      </a:r>
+                      <a:r>
+                        <a:rPr lang="en-US" sz="1800" b="0" i="0" kern="1200" dirty="0" smtClean="0">
+                          <a:solidFill>
+                            <a:schemeClr val="dk1"/>
+                          </a:solidFill>
+                          <a:effectLst/>
+                          <a:latin typeface="+mn-lt"/>
+                          <a:ea typeface="+mn-ea"/>
+                          <a:cs typeface="+mn-cs"/>
+                        </a:rPr>
+                        <a:t>(</a:t>
+                      </a:r>
+                      <a:r>
+                        <a:rPr lang="en-US" sz="1800" b="0" i="0" kern="1200" dirty="0" smtClean="0">
+                          <a:solidFill>
+                            <a:srgbClr val="993300"/>
+                          </a:solidFill>
+                          <a:effectLst/>
+                          <a:latin typeface="+mn-lt"/>
+                          <a:ea typeface="+mn-ea"/>
+                          <a:cs typeface="+mn-cs"/>
+                        </a:rPr>
+                        <a:t>"PI:  %lf\n"</a:t>
+                      </a:r>
+                      <a:r>
+                        <a:rPr lang="en-US" sz="1800" b="0" i="0" kern="1200" dirty="0" smtClean="0">
+                          <a:solidFill>
+                            <a:schemeClr val="dk1"/>
+                          </a:solidFill>
+                          <a:effectLst/>
+                          <a:latin typeface="+mn-lt"/>
+                          <a:ea typeface="+mn-ea"/>
+                          <a:cs typeface="+mn-cs"/>
+                        </a:rPr>
+                        <a:t>, PI&lt;</a:t>
+                      </a:r>
+                      <a:r>
+                        <a:rPr lang="en-US" sz="1800" b="0" i="0" kern="1200" dirty="0" smtClean="0">
+                          <a:solidFill>
+                            <a:srgbClr val="0070C0"/>
+                          </a:solidFill>
+                          <a:effectLst/>
+                          <a:latin typeface="+mn-lt"/>
+                          <a:ea typeface="+mn-ea"/>
+                          <a:cs typeface="+mn-cs"/>
+                        </a:rPr>
+                        <a:t>double</a:t>
+                      </a:r>
+                      <a:r>
+                        <a:rPr lang="en-US" sz="1800" b="0" i="0" kern="1200" dirty="0" smtClean="0">
+                          <a:solidFill>
+                            <a:schemeClr val="dk1"/>
+                          </a:solidFill>
+                          <a:effectLst/>
+                          <a:latin typeface="+mn-lt"/>
+                          <a:ea typeface="+mn-ea"/>
+                          <a:cs typeface="+mn-cs"/>
+                        </a:rPr>
+                        <a:t>&gt;);</a:t>
+                      </a:r>
+                      <a:r>
+                        <a:rPr lang="en-US" sz="1800" b="0" i="0" kern="1200" dirty="0" smtClean="0">
+                          <a:solidFill>
+                            <a:srgbClr val="00B050"/>
+                          </a:solidFill>
+                          <a:effectLst/>
+                          <a:latin typeface="+mn-lt"/>
+                          <a:ea typeface="+mn-ea"/>
+                          <a:cs typeface="+mn-cs"/>
+                        </a:rPr>
+                        <a:t>//PI: 0.68000</a:t>
+                      </a:r>
+                    </a:p>
+                    <a:p>
+                      <a:endParaRPr lang="en-US" sz="1800" b="0" i="0" kern="1200" dirty="0" smtClean="0">
+                        <a:solidFill>
+                          <a:schemeClr val="dk1"/>
+                        </a:solidFill>
+                        <a:effectLst/>
+                        <a:latin typeface="+mn-lt"/>
+                        <a:ea typeface="+mn-ea"/>
+                        <a:cs typeface="+mn-cs"/>
+                      </a:endParaRPr>
+                    </a:p>
+                    <a:p>
+                      <a:r>
+                        <a:rPr lang="en-US" sz="1800" b="0" i="0" kern="1200" dirty="0" smtClean="0">
+                          <a:solidFill>
+                            <a:schemeClr val="dk1"/>
+                          </a:solidFill>
+                          <a:effectLst/>
+                          <a:latin typeface="+mn-lt"/>
+                          <a:ea typeface="+mn-ea"/>
+                          <a:cs typeface="+mn-cs"/>
+                        </a:rPr>
+                        <a:t>  </a:t>
+                      </a:r>
+                      <a:r>
+                        <a:rPr lang="en-US" sz="1800" b="0" i="0" kern="1200" dirty="0" smtClean="0">
+                          <a:solidFill>
+                            <a:srgbClr val="0070C0"/>
+                          </a:solidFill>
+                          <a:effectLst/>
+                          <a:latin typeface="+mn-lt"/>
+                          <a:ea typeface="+mn-ea"/>
+                          <a:cs typeface="+mn-cs"/>
+                        </a:rPr>
+                        <a:t>return</a:t>
+                      </a:r>
+                      <a:r>
+                        <a:rPr lang="en-US" sz="1800" b="0" i="0" kern="1200" dirty="0" smtClean="0">
+                          <a:solidFill>
+                            <a:schemeClr val="dk1"/>
+                          </a:solidFill>
+                          <a:effectLst/>
+                          <a:latin typeface="+mn-lt"/>
+                          <a:ea typeface="+mn-ea"/>
+                          <a:cs typeface="+mn-cs"/>
+                        </a:rPr>
+                        <a:t> 0;</a:t>
+                      </a:r>
+                    </a:p>
+                    <a:p>
+                      <a:r>
+                        <a:rPr lang="en-US" sz="1800" b="0" i="0" kern="1200" dirty="0" smtClean="0">
+                          <a:solidFill>
+                            <a:schemeClr val="dk1"/>
+                          </a:solidFill>
+                          <a:effectLst/>
+                          <a:latin typeface="+mn-lt"/>
+                          <a:ea typeface="+mn-ea"/>
+                          <a:cs typeface="+mn-cs"/>
+                        </a:rPr>
+                        <a:t>}</a:t>
+                      </a:r>
+                    </a:p>
+                    <a:p>
+                      <a:endParaRPr lang="en-US" dirty="0"/>
+                    </a:p>
+                  </a:txBody>
+                  <a:tcPr/>
+                </a:tc>
+              </a:tr>
+            </a:tbl>
+          </a:graphicData>
+        </a:graphic>
+      </p:graphicFrame>
+      <p:sp>
+        <p:nvSpPr>
+          <p:cNvPr id="5" name="Rectangle 4"/>
+          <p:cNvSpPr/>
+          <p:nvPr/>
+        </p:nvSpPr>
+        <p:spPr>
+          <a:xfrm>
+            <a:off x="1608463" y="2236424"/>
+            <a:ext cx="4010139" cy="793215"/>
+          </a:xfrm>
+          <a:prstGeom prst="rect">
+            <a:avLst/>
+          </a:prstGeom>
+          <a:noFill/>
+          <a:ln>
+            <a:solidFill>
+              <a:schemeClr val="accent2"/>
+            </a:solidFill>
+          </a:ln>
+        </p:spPr>
+        <p:style>
+          <a:lnRef idx="2">
+            <a:schemeClr val="accent1">
+              <a:shade val="50000"/>
+            </a:schemeClr>
+          </a:lnRef>
+          <a:fillRef idx="1">
+            <a:schemeClr val="accent1"/>
+          </a:fillRef>
+          <a:effectRef idx="0">
+            <a:schemeClr val="accent1"/>
+          </a:effectRef>
+          <a:fontRef idx="minor">
+            <a:schemeClr val="lt1"/>
+          </a:fontRef>
+        </p:style>
+        <p:txBody>
+          <a:bodyPr rtlCol="0" anchor="ctr"/>
+          <a:lstStyle/>
+          <a:p>
+            <a:pPr algn="ctr"/>
+            <a:endParaRPr lang="en-US"/>
+          </a:p>
+        </p:txBody>
+      </p:sp>
+    </p:spTree>
+    <p:extLst>
+      <p:ext uri="{BB962C8B-B14F-4D97-AF65-F5344CB8AC3E}">
+        <p14:creationId xmlns:p14="http://schemas.microsoft.com/office/powerpoint/2010/main" val="2696941259"/>
+      </p:ext>
+    </p:extLst>
+  </p:cSld>
+  <p:clrMapOvr>
+    <a:masterClrMapping/>
+  </p:clrMapOvr>
+</p:sld>
+</file>
+
+<file path=ppt/slides/slide15.xml><?xml version="1.0" encoding="utf-8"?>
+<p:sld xmlns:a="http://schemas.openxmlformats.org/drawingml/2006/main" xmlns:r="http://schemas.openxmlformats.org/officeDocument/2006/relationships" xmlns:p="http://schemas.openxmlformats.org/presentationml/2006/main">
+  <p:cSld>
+    <p:spTree>
+      <p:nvGrpSpPr>
+        <p:cNvPr id="1" name=""/>
+        <p:cNvGrpSpPr/>
+        <p:nvPr/>
+      </p:nvGrpSpPr>
+      <p:grpSpPr>
+        <a:xfrm>
+          <a:off x="0" y="0"/>
+          <a:ext cx="0" cy="0"/>
+          <a:chOff x="0" y="0"/>
+          <a:chExt cx="0" cy="0"/>
+        </a:xfrm>
+      </p:grpSpPr>
+      <p:sp>
+        <p:nvSpPr>
+          <p:cNvPr id="2" name="Title 1"/>
+          <p:cNvSpPr>
+            <a:spLocks noGrp="1"/>
+          </p:cNvSpPr>
+          <p:nvPr>
+            <p:ph type="title"/>
+          </p:nvPr>
+        </p:nvSpPr>
+        <p:spPr>
+          <a:xfrm>
+            <a:off x="838200" y="365126"/>
+            <a:ext cx="7644788" cy="692494"/>
+          </a:xfrm>
+        </p:spPr>
+        <p:txBody>
+          <a:bodyPr/>
+          <a:lstStyle/>
+          <a:p>
+            <a:r>
+              <a:rPr lang="en-US" sz="3200" dirty="0">
+                <a:solidFill>
+                  <a:schemeClr val="accent2"/>
+                </a:solidFill>
+              </a:rPr>
+              <a:t>user-defined literals for standard library types</a:t>
+            </a:r>
+          </a:p>
+        </p:txBody>
+      </p:sp>
+      <p:graphicFrame>
+        <p:nvGraphicFramePr>
+          <p:cNvPr id="4" name="Table 3"/>
+          <p:cNvGraphicFramePr>
+            <a:graphicFrameLocks noGrp="1"/>
+          </p:cNvGraphicFramePr>
+          <p:nvPr>
+            <p:extLst>
+              <p:ext uri="{D42A27DB-BD31-4B8C-83A1-F6EECF244321}">
+                <p14:modId xmlns:p14="http://schemas.microsoft.com/office/powerpoint/2010/main" val="1986459352"/>
+              </p:ext>
+            </p:extLst>
+          </p:nvPr>
+        </p:nvGraphicFramePr>
+        <p:xfrm>
+          <a:off x="1128617" y="1978863"/>
+          <a:ext cx="9866217" cy="4630717"/>
+        </p:xfrm>
+        <a:graphic>
+          <a:graphicData uri="http://schemas.openxmlformats.org/drawingml/2006/table">
+            <a:tbl>
+              <a:tblPr firstRow="1" bandRow="1">
+                <a:tableStyleId>{5C22544A-7EE6-4342-B048-85BDC9FD1C3A}</a:tableStyleId>
+              </a:tblPr>
+              <a:tblGrid>
+                <a:gridCol w="9866217"/>
+              </a:tblGrid>
+              <a:tr h="424477">
+                <a:tc>
+                  <a:txBody>
+                    <a:bodyPr/>
+                    <a:lstStyle/>
+                    <a:p>
+                      <a:r>
+                        <a:rPr lang="en-US" dirty="0" smtClean="0"/>
+                        <a:t>User-defined literals</a:t>
+                      </a:r>
+                      <a:endParaRPr lang="en-US" dirty="0"/>
+                    </a:p>
+                  </a:txBody>
+                  <a:tcPr/>
+                </a:tc>
+              </a:tr>
+              <a:tr h="4045083">
+                <a:tc>
+                  <a:txBody>
+                    <a:bodyPr/>
+                    <a:lstStyle/>
+                    <a:p>
+                      <a:r>
+                        <a:rPr lang="en-US" sz="1800" kern="1200" dirty="0" smtClean="0">
+                          <a:solidFill>
+                            <a:srgbClr val="0070C0"/>
+                          </a:solidFill>
+                          <a:latin typeface="+mn-lt"/>
+                          <a:ea typeface="+mn-ea"/>
+                          <a:cs typeface="+mn-cs"/>
+                        </a:rPr>
+                        <a:t>long double </a:t>
+                      </a:r>
+                      <a:r>
+                        <a:rPr lang="en-US" sz="1800" kern="1200" dirty="0" smtClean="0">
+                          <a:solidFill>
+                            <a:schemeClr val="dk1"/>
+                          </a:solidFill>
+                          <a:latin typeface="+mn-lt"/>
+                          <a:ea typeface="+mn-ea"/>
+                          <a:cs typeface="+mn-cs"/>
+                        </a:rPr>
+                        <a:t>operator"" _</a:t>
+                      </a:r>
+                      <a:r>
+                        <a:rPr lang="en-US" sz="1800" kern="1200" dirty="0" err="1" smtClean="0">
+                          <a:solidFill>
+                            <a:schemeClr val="dk1"/>
+                          </a:solidFill>
+                          <a:latin typeface="+mn-lt"/>
+                          <a:ea typeface="+mn-ea"/>
+                          <a:cs typeface="+mn-cs"/>
+                        </a:rPr>
+                        <a:t>deg</a:t>
+                      </a:r>
+                      <a:r>
+                        <a:rPr lang="en-US" sz="1800" kern="1200" dirty="0" smtClean="0">
+                          <a:solidFill>
+                            <a:schemeClr val="dk1"/>
+                          </a:solidFill>
+                          <a:latin typeface="+mn-lt"/>
+                          <a:ea typeface="+mn-ea"/>
+                          <a:cs typeface="+mn-cs"/>
+                        </a:rPr>
+                        <a:t>(</a:t>
+                      </a:r>
+                      <a:r>
+                        <a:rPr lang="en-US" sz="1800" kern="1200" dirty="0" smtClean="0">
+                          <a:solidFill>
+                            <a:srgbClr val="0070C0"/>
+                          </a:solidFill>
+                          <a:latin typeface="+mn-lt"/>
+                          <a:ea typeface="+mn-ea"/>
+                          <a:cs typeface="+mn-cs"/>
+                        </a:rPr>
+                        <a:t>long double</a:t>
+                      </a:r>
+                      <a:r>
+                        <a:rPr lang="en-US" sz="1800" kern="1200" dirty="0" smtClean="0">
+                          <a:solidFill>
+                            <a:schemeClr val="dk1"/>
+                          </a:solidFill>
+                          <a:latin typeface="+mn-lt"/>
+                          <a:ea typeface="+mn-ea"/>
+                          <a:cs typeface="+mn-cs"/>
+                        </a:rPr>
+                        <a:t> </a:t>
+                      </a:r>
+                      <a:r>
+                        <a:rPr lang="en-US" sz="1800" kern="1200" dirty="0" err="1" smtClean="0">
+                          <a:solidFill>
+                            <a:schemeClr val="dk1"/>
+                          </a:solidFill>
+                          <a:latin typeface="+mn-lt"/>
+                          <a:ea typeface="+mn-ea"/>
+                          <a:cs typeface="+mn-cs"/>
+                        </a:rPr>
+                        <a:t>deg</a:t>
+                      </a:r>
+                      <a:r>
+                        <a:rPr lang="en-US" sz="1800" kern="1200" dirty="0" smtClean="0">
+                          <a:solidFill>
+                            <a:schemeClr val="dk1"/>
+                          </a:solidFill>
+                          <a:latin typeface="+mn-lt"/>
+                          <a:ea typeface="+mn-ea"/>
+                          <a:cs typeface="+mn-cs"/>
+                        </a:rPr>
+                        <a:t>)</a:t>
+                      </a:r>
+                    </a:p>
+                    <a:p>
+                      <a:r>
+                        <a:rPr lang="en-US" sz="1800" kern="1200" dirty="0" smtClean="0">
+                          <a:solidFill>
+                            <a:schemeClr val="dk1"/>
+                          </a:solidFill>
+                          <a:latin typeface="+mn-lt"/>
+                          <a:ea typeface="+mn-ea"/>
+                          <a:cs typeface="+mn-cs"/>
+                        </a:rPr>
+                        <a:t>{</a:t>
+                      </a:r>
+                    </a:p>
+                    <a:p>
+                      <a:r>
+                        <a:rPr lang="en-US" sz="1800" kern="1200" dirty="0" smtClean="0">
+                          <a:solidFill>
+                            <a:schemeClr val="dk1"/>
+                          </a:solidFill>
+                          <a:latin typeface="+mn-lt"/>
+                          <a:ea typeface="+mn-ea"/>
+                          <a:cs typeface="+mn-cs"/>
+                        </a:rPr>
+                        <a:t>        return </a:t>
+                      </a:r>
+                      <a:r>
+                        <a:rPr lang="en-US" sz="1800" kern="1200" dirty="0" err="1" smtClean="0">
+                          <a:solidFill>
+                            <a:schemeClr val="dk1"/>
+                          </a:solidFill>
+                          <a:latin typeface="+mn-lt"/>
+                          <a:ea typeface="+mn-ea"/>
+                          <a:cs typeface="+mn-cs"/>
+                        </a:rPr>
+                        <a:t>deg</a:t>
+                      </a:r>
+                      <a:r>
+                        <a:rPr lang="en-US" sz="1800" kern="1200" dirty="0" smtClean="0">
+                          <a:solidFill>
+                            <a:schemeClr val="dk1"/>
+                          </a:solidFill>
+                          <a:latin typeface="+mn-lt"/>
+                          <a:ea typeface="+mn-ea"/>
+                          <a:cs typeface="+mn-cs"/>
+                        </a:rPr>
+                        <a:t> * 3.141592 / 180;</a:t>
+                      </a:r>
+                    </a:p>
+                    <a:p>
+                      <a:r>
+                        <a:rPr lang="en-US" sz="1800" kern="1200" dirty="0" smtClean="0">
+                          <a:solidFill>
+                            <a:schemeClr val="dk1"/>
+                          </a:solidFill>
+                          <a:latin typeface="+mn-lt"/>
+                          <a:ea typeface="+mn-ea"/>
+                          <a:cs typeface="+mn-cs"/>
+                        </a:rPr>
+                        <a:t> }</a:t>
+                      </a:r>
+                    </a:p>
+                    <a:p>
+                      <a:endParaRPr lang="en-US" sz="1800" kern="1200" dirty="0" smtClean="0">
+                        <a:solidFill>
+                          <a:schemeClr val="dk1"/>
+                        </a:solidFill>
+                        <a:latin typeface="+mn-lt"/>
+                        <a:ea typeface="+mn-ea"/>
+                        <a:cs typeface="+mn-cs"/>
+                      </a:endParaRPr>
+                    </a:p>
+                    <a:p>
+                      <a:r>
+                        <a:rPr lang="en-US" sz="1800" kern="1200" dirty="0" smtClean="0">
+                          <a:solidFill>
+                            <a:srgbClr val="0070C0"/>
+                          </a:solidFill>
+                          <a:latin typeface="+mn-lt"/>
+                          <a:ea typeface="+mn-ea"/>
+                          <a:cs typeface="+mn-cs"/>
+                        </a:rPr>
+                        <a:t>void</a:t>
+                      </a:r>
+                      <a:r>
+                        <a:rPr lang="en-US" sz="1800" kern="1200" dirty="0" smtClean="0">
+                          <a:solidFill>
+                            <a:schemeClr val="dk1"/>
+                          </a:solidFill>
+                          <a:latin typeface="+mn-lt"/>
+                          <a:ea typeface="+mn-ea"/>
+                          <a:cs typeface="+mn-cs"/>
+                        </a:rPr>
+                        <a:t> main()</a:t>
+                      </a:r>
+                    </a:p>
+                    <a:p>
+                      <a:r>
+                        <a:rPr lang="en-US" sz="1800" kern="1200" dirty="0" smtClean="0">
+                          <a:solidFill>
+                            <a:schemeClr val="dk1"/>
+                          </a:solidFill>
+                          <a:latin typeface="+mn-lt"/>
+                          <a:ea typeface="+mn-ea"/>
+                          <a:cs typeface="+mn-cs"/>
+                        </a:rPr>
+                        <a:t>{</a:t>
+                      </a:r>
+                    </a:p>
+                    <a:p>
+                      <a:r>
+                        <a:rPr lang="en-US" sz="1800" kern="1200" dirty="0" smtClean="0">
+                          <a:solidFill>
+                            <a:schemeClr val="dk1"/>
+                          </a:solidFill>
+                          <a:latin typeface="+mn-lt"/>
+                          <a:ea typeface="+mn-ea"/>
+                          <a:cs typeface="+mn-cs"/>
+                        </a:rPr>
+                        <a:t>   </a:t>
+                      </a:r>
+                      <a:r>
+                        <a:rPr lang="en-US" sz="1800" kern="1200" dirty="0" smtClean="0">
+                          <a:solidFill>
+                            <a:srgbClr val="0070C0"/>
+                          </a:solidFill>
+                          <a:latin typeface="+mn-lt"/>
+                          <a:ea typeface="+mn-ea"/>
+                          <a:cs typeface="+mn-cs"/>
+                        </a:rPr>
+                        <a:t>long double  </a:t>
+                      </a:r>
+                      <a:r>
+                        <a:rPr lang="en-US" sz="1800" kern="1200" dirty="0" smtClean="0">
+                          <a:solidFill>
+                            <a:schemeClr val="dk1"/>
+                          </a:solidFill>
+                          <a:latin typeface="+mn-lt"/>
+                          <a:ea typeface="+mn-ea"/>
+                          <a:cs typeface="+mn-cs"/>
+                        </a:rPr>
+                        <a:t>radian = 90.0_deg;</a:t>
+                      </a:r>
+                      <a:r>
+                        <a:rPr lang="en-US" sz="1800" kern="1200" dirty="0" smtClean="0">
+                          <a:solidFill>
+                            <a:srgbClr val="00B050"/>
+                          </a:solidFill>
+                          <a:latin typeface="+mn-lt"/>
+                          <a:ea typeface="+mn-ea"/>
+                          <a:cs typeface="+mn-cs"/>
+                        </a:rPr>
+                        <a:t>// = 1.5707960000000001</a:t>
+                      </a:r>
+                    </a:p>
+                    <a:p>
+                      <a:pPr marL="0" marR="0" indent="0" algn="l" defTabSz="914400" rtl="0" eaLnBrk="1" fontAlgn="auto" latinLnBrk="0" hangingPunct="1">
+                        <a:lnSpc>
+                          <a:spcPct val="100000"/>
+                        </a:lnSpc>
+                        <a:spcBef>
+                          <a:spcPts val="0"/>
+                        </a:spcBef>
+                        <a:spcAft>
+                          <a:spcPts val="0"/>
+                        </a:spcAft>
+                        <a:buClrTx/>
+                        <a:buSzTx/>
+                        <a:buFontTx/>
+                        <a:buNone/>
+                        <a:tabLst/>
+                        <a:defRPr/>
+                      </a:pPr>
+                      <a:r>
+                        <a:rPr lang="en-US" sz="1800" kern="1200" dirty="0" smtClean="0">
+                          <a:solidFill>
+                            <a:schemeClr val="dk1"/>
+                          </a:solidFill>
+                          <a:latin typeface="+mn-lt"/>
+                          <a:ea typeface="+mn-ea"/>
+                          <a:cs typeface="+mn-cs"/>
+                        </a:rPr>
+                        <a:t>   </a:t>
+                      </a:r>
+                      <a:r>
+                        <a:rPr lang="en-US" sz="1800" kern="1200" dirty="0" smtClean="0">
+                          <a:solidFill>
+                            <a:srgbClr val="0070C0"/>
+                          </a:solidFill>
+                          <a:latin typeface="+mn-lt"/>
+                          <a:ea typeface="+mn-ea"/>
+                          <a:cs typeface="+mn-cs"/>
+                        </a:rPr>
+                        <a:t>long double  </a:t>
+                      </a:r>
+                      <a:r>
+                        <a:rPr lang="en-US" sz="1800" kern="1200" dirty="0" smtClean="0">
+                          <a:solidFill>
+                            <a:schemeClr val="dk1"/>
+                          </a:solidFill>
+                          <a:latin typeface="+mn-lt"/>
+                          <a:ea typeface="+mn-ea"/>
+                          <a:cs typeface="+mn-cs"/>
+                        </a:rPr>
+                        <a:t>radian1 = 90_deg;</a:t>
+                      </a:r>
+                      <a:r>
+                        <a:rPr lang="en-US" sz="1800" kern="1200" dirty="0" smtClean="0">
+                          <a:solidFill>
+                            <a:srgbClr val="FF0000"/>
+                          </a:solidFill>
+                          <a:latin typeface="+mn-lt"/>
+                          <a:ea typeface="+mn-ea"/>
+                          <a:cs typeface="+mn-cs"/>
+                        </a:rPr>
+                        <a:t>// ERROR</a:t>
+                      </a:r>
+                      <a:r>
+                        <a:rPr lang="en-US" sz="1800" kern="1200" baseline="0" dirty="0" smtClean="0">
+                          <a:solidFill>
+                            <a:srgbClr val="FF0000"/>
+                          </a:solidFill>
+                          <a:latin typeface="+mn-lt"/>
+                          <a:ea typeface="+mn-ea"/>
+                          <a:cs typeface="+mn-cs"/>
+                        </a:rPr>
+                        <a:t> compile</a:t>
+                      </a:r>
+                      <a:r>
+                        <a:rPr lang="en-US" sz="1800" kern="1200" dirty="0" smtClean="0">
+                          <a:solidFill>
+                            <a:srgbClr val="FF0000"/>
+                          </a:solidFill>
+                          <a:latin typeface="+mn-lt"/>
+                          <a:ea typeface="+mn-ea"/>
+                          <a:cs typeface="+mn-cs"/>
+                        </a:rPr>
+                        <a:t>: </a:t>
+                      </a:r>
+                      <a:r>
+                        <a:rPr lang="en-US" dirty="0" smtClean="0">
+                          <a:solidFill>
+                            <a:srgbClr val="FF0000"/>
+                          </a:solidFill>
+                        </a:rPr>
+                        <a:t>User defined literal not found</a:t>
+                      </a:r>
+                    </a:p>
+                    <a:p>
+                      <a:pPr marL="0" marR="0" indent="0" algn="l" defTabSz="914400" rtl="0" eaLnBrk="1" fontAlgn="auto" latinLnBrk="0" hangingPunct="1">
+                        <a:lnSpc>
+                          <a:spcPct val="100000"/>
+                        </a:lnSpc>
+                        <a:spcBef>
+                          <a:spcPts val="0"/>
+                        </a:spcBef>
+                        <a:spcAft>
+                          <a:spcPts val="0"/>
+                        </a:spcAft>
+                        <a:buClrTx/>
+                        <a:buSzTx/>
+                        <a:buFontTx/>
+                        <a:buNone/>
+                        <a:tabLst/>
+                        <a:defRPr/>
+                      </a:pPr>
+                      <a:endParaRPr lang="en-US" dirty="0" smtClean="0">
+                        <a:solidFill>
+                          <a:srgbClr val="FF0000"/>
+                        </a:solidFill>
+                      </a:endParaRPr>
+                    </a:p>
+                    <a:p>
+                      <a:pPr marL="0" marR="0" indent="0" algn="l" defTabSz="914400" rtl="0" eaLnBrk="1" fontAlgn="auto" latinLnBrk="0" hangingPunct="1">
+                        <a:lnSpc>
+                          <a:spcPct val="100000"/>
+                        </a:lnSpc>
+                        <a:spcBef>
+                          <a:spcPts val="0"/>
+                        </a:spcBef>
+                        <a:spcAft>
+                          <a:spcPts val="0"/>
+                        </a:spcAft>
+                        <a:buClrTx/>
+                        <a:buSzTx/>
+                        <a:buFontTx/>
+                        <a:buNone/>
+                        <a:tabLst/>
+                        <a:defRPr/>
+                      </a:pPr>
+                      <a:r>
+                        <a:rPr lang="en-US" dirty="0" smtClean="0">
+                          <a:solidFill>
+                            <a:srgbClr val="00B050"/>
+                          </a:solidFill>
+                        </a:rPr>
+                        <a:t>  //User-defined literals for standard library types </a:t>
+                      </a:r>
+                      <a:r>
+                        <a:rPr lang="en-US" sz="1800" kern="1200" dirty="0" smtClean="0">
+                          <a:solidFill>
+                            <a:srgbClr val="00B050"/>
+                          </a:solidFill>
+                          <a:latin typeface="+mn-lt"/>
+                          <a:ea typeface="+mn-ea"/>
+                          <a:cs typeface="+mn-cs"/>
+                        </a:rPr>
+                        <a:t>&lt;</a:t>
+                      </a:r>
+                      <a:r>
+                        <a:rPr lang="en-US" sz="1800" kern="1200" dirty="0" err="1" smtClean="0">
+                          <a:solidFill>
+                            <a:srgbClr val="00B050"/>
+                          </a:solidFill>
+                          <a:latin typeface="+mn-lt"/>
+                          <a:ea typeface="+mn-ea"/>
+                          <a:cs typeface="+mn-cs"/>
+                        </a:rPr>
+                        <a:t>chrono</a:t>
+                      </a:r>
+                      <a:r>
+                        <a:rPr lang="en-US" sz="1800" kern="1200" dirty="0" smtClean="0">
+                          <a:solidFill>
+                            <a:srgbClr val="00B050"/>
+                          </a:solidFill>
+                          <a:latin typeface="+mn-lt"/>
+                          <a:ea typeface="+mn-ea"/>
+                          <a:cs typeface="+mn-cs"/>
+                        </a:rPr>
+                        <a:t>&gt;</a:t>
+                      </a:r>
+                    </a:p>
+                    <a:p>
+                      <a:pPr marL="0" marR="0" indent="0" algn="l" defTabSz="914400" rtl="0" eaLnBrk="1" fontAlgn="auto" latinLnBrk="0" hangingPunct="1">
+                        <a:lnSpc>
+                          <a:spcPct val="100000"/>
+                        </a:lnSpc>
+                        <a:spcBef>
+                          <a:spcPts val="0"/>
+                        </a:spcBef>
+                        <a:spcAft>
+                          <a:spcPts val="0"/>
+                        </a:spcAft>
+                        <a:buClrTx/>
+                        <a:buSzTx/>
+                        <a:buFontTx/>
+                        <a:buNone/>
+                        <a:tabLst/>
+                        <a:defRPr/>
+                      </a:pPr>
+                      <a:r>
+                        <a:rPr lang="en-US" dirty="0" smtClean="0">
+                          <a:solidFill>
+                            <a:srgbClr val="0070C0"/>
+                          </a:solidFill>
+                        </a:rPr>
+                        <a:t>  </a:t>
+                      </a:r>
+                      <a:r>
+                        <a:rPr lang="en-US" sz="1800" kern="1200" dirty="0" smtClean="0">
+                          <a:solidFill>
+                            <a:srgbClr val="0070C0"/>
+                          </a:solidFill>
+                          <a:effectLst/>
+                          <a:latin typeface="+mn-lt"/>
+                          <a:ea typeface="+mn-ea"/>
+                          <a:cs typeface="+mn-cs"/>
+                        </a:rPr>
+                        <a:t>using</a:t>
+                      </a:r>
+                      <a:r>
+                        <a:rPr lang="en-US" dirty="0" smtClean="0">
+                          <a:solidFill>
+                            <a:srgbClr val="0070C0"/>
+                          </a:solidFill>
+                        </a:rPr>
+                        <a:t> </a:t>
+                      </a:r>
+                      <a:r>
+                        <a:rPr lang="en-US" sz="1800" kern="1200" dirty="0" smtClean="0">
+                          <a:solidFill>
+                            <a:srgbClr val="0070C0"/>
+                          </a:solidFill>
+                          <a:effectLst/>
+                          <a:latin typeface="+mn-lt"/>
+                          <a:ea typeface="+mn-ea"/>
+                          <a:cs typeface="+mn-cs"/>
+                        </a:rPr>
+                        <a:t>namespace</a:t>
+                      </a:r>
+                      <a:r>
+                        <a:rPr lang="en-US" dirty="0" smtClean="0">
+                          <a:solidFill>
+                            <a:srgbClr val="0070C0"/>
+                          </a:solidFill>
+                        </a:rPr>
+                        <a:t> </a:t>
+                      </a:r>
+                      <a:r>
+                        <a:rPr lang="en-US" sz="1800" kern="1200" dirty="0" err="1" smtClean="0">
+                          <a:solidFill>
+                            <a:schemeClr val="dk1"/>
+                          </a:solidFill>
+                          <a:effectLst/>
+                          <a:latin typeface="+mn-lt"/>
+                          <a:ea typeface="+mn-ea"/>
+                          <a:cs typeface="+mn-cs"/>
+                        </a:rPr>
+                        <a:t>std</a:t>
+                      </a:r>
+                      <a:r>
+                        <a:rPr lang="en-US" dirty="0" smtClean="0"/>
+                        <a:t>::</a:t>
+                      </a:r>
+                      <a:r>
+                        <a:rPr lang="en-US" dirty="0" err="1" smtClean="0"/>
+                        <a:t>chrono_literals</a:t>
+                      </a:r>
+                      <a:r>
+                        <a:rPr lang="en-US" sz="1800" kern="1200" dirty="0" smtClean="0">
+                          <a:solidFill>
+                            <a:schemeClr val="dk1"/>
+                          </a:solidFill>
+                          <a:effectLst/>
+                          <a:latin typeface="+mn-lt"/>
+                          <a:ea typeface="+mn-ea"/>
+                          <a:cs typeface="+mn-cs"/>
+                        </a:rPr>
+                        <a:t>;</a:t>
+                      </a:r>
+                    </a:p>
+                    <a:p>
+                      <a:pPr marL="0" marR="0" indent="0" algn="l" defTabSz="914400" rtl="0" eaLnBrk="1" fontAlgn="auto" latinLnBrk="0" hangingPunct="1">
+                        <a:lnSpc>
+                          <a:spcPct val="100000"/>
+                        </a:lnSpc>
+                        <a:spcBef>
+                          <a:spcPts val="0"/>
+                        </a:spcBef>
+                        <a:spcAft>
+                          <a:spcPts val="0"/>
+                        </a:spcAft>
+                        <a:buClrTx/>
+                        <a:buSzTx/>
+                        <a:buFontTx/>
+                        <a:buNone/>
+                        <a:tabLst/>
+                        <a:defRPr/>
+                      </a:pPr>
+                      <a:r>
+                        <a:rPr lang="en-US" sz="1800" kern="1200" dirty="0" smtClean="0">
+                          <a:solidFill>
+                            <a:schemeClr val="dk1"/>
+                          </a:solidFill>
+                          <a:effectLst/>
+                          <a:latin typeface="+mn-lt"/>
+                          <a:ea typeface="+mn-ea"/>
+                          <a:cs typeface="+mn-cs"/>
+                        </a:rPr>
+                        <a:t>  </a:t>
+                      </a:r>
+                      <a:r>
+                        <a:rPr lang="en-US" sz="1800" kern="1200" dirty="0" smtClean="0">
+                          <a:solidFill>
+                            <a:srgbClr val="0070C0"/>
+                          </a:solidFill>
+                          <a:effectLst/>
+                          <a:latin typeface="+mn-lt"/>
+                          <a:ea typeface="+mn-ea"/>
+                          <a:cs typeface="+mn-cs"/>
+                        </a:rPr>
+                        <a:t>auto</a:t>
+                      </a:r>
+                      <a:r>
+                        <a:rPr lang="en-US" dirty="0" smtClean="0">
+                          <a:solidFill>
+                            <a:srgbClr val="0070C0"/>
+                          </a:solidFill>
+                        </a:rPr>
+                        <a:t> </a:t>
+                      </a:r>
+                      <a:r>
+                        <a:rPr lang="en-US" dirty="0" smtClean="0"/>
+                        <a:t>day = 24h; </a:t>
+                      </a:r>
+                    </a:p>
+                    <a:p>
+                      <a:pPr marL="0" marR="0" indent="0" algn="l" defTabSz="914400" rtl="0" eaLnBrk="1" fontAlgn="auto" latinLnBrk="0" hangingPunct="1">
+                        <a:lnSpc>
+                          <a:spcPct val="100000"/>
+                        </a:lnSpc>
+                        <a:spcBef>
+                          <a:spcPts val="0"/>
+                        </a:spcBef>
+                        <a:spcAft>
+                          <a:spcPts val="0"/>
+                        </a:spcAft>
+                        <a:buClrTx/>
+                        <a:buSzTx/>
+                        <a:buFontTx/>
+                        <a:buNone/>
+                        <a:tabLst/>
+                        <a:defRPr/>
+                      </a:pPr>
+                      <a:r>
+                        <a:rPr lang="en-US" dirty="0" smtClean="0"/>
+                        <a:t>  </a:t>
+                      </a:r>
+                      <a:r>
+                        <a:rPr lang="en-US" dirty="0" err="1" smtClean="0"/>
+                        <a:t>day.count</a:t>
+                      </a:r>
+                      <a:r>
+                        <a:rPr lang="en-US" dirty="0" smtClean="0"/>
+                        <a:t>(); </a:t>
+                      </a:r>
+                      <a:r>
+                        <a:rPr lang="en-US" sz="1800" kern="1200" dirty="0" smtClean="0">
+                          <a:solidFill>
+                            <a:srgbClr val="0070C0"/>
+                          </a:solidFill>
+                          <a:effectLst/>
+                          <a:latin typeface="+mn-lt"/>
+                          <a:ea typeface="+mn-ea"/>
+                          <a:cs typeface="+mn-cs"/>
+                        </a:rPr>
+                        <a:t>// == 24</a:t>
+                      </a:r>
+                      <a:endParaRPr lang="en-US" dirty="0" smtClean="0">
+                        <a:solidFill>
+                          <a:srgbClr val="0070C0"/>
+                        </a:solidFill>
+                      </a:endParaRPr>
+                    </a:p>
+                    <a:p>
+                      <a:r>
+                        <a:rPr lang="en-US" sz="1800" kern="1200" dirty="0" smtClean="0">
+                          <a:solidFill>
+                            <a:schemeClr val="dk1"/>
+                          </a:solidFill>
+                          <a:latin typeface="+mn-lt"/>
+                          <a:ea typeface="+mn-ea"/>
+                          <a:cs typeface="+mn-cs"/>
+                        </a:rPr>
+                        <a:t>}</a:t>
+                      </a:r>
+                    </a:p>
+                  </a:txBody>
+                  <a:tcPr/>
+                </a:tc>
+              </a:tr>
+            </a:tbl>
+          </a:graphicData>
+        </a:graphic>
+      </p:graphicFrame>
+      <p:sp>
+        <p:nvSpPr>
+          <p:cNvPr id="6" name="TextBox 5"/>
+          <p:cNvSpPr txBox="1"/>
+          <p:nvPr/>
+        </p:nvSpPr>
+        <p:spPr>
+          <a:xfrm>
+            <a:off x="1002535" y="1035586"/>
+            <a:ext cx="9563067" cy="923330"/>
+          </a:xfrm>
+          <a:prstGeom prst="rect">
+            <a:avLst/>
+          </a:prstGeom>
+          <a:noFill/>
+        </p:spPr>
+        <p:txBody>
+          <a:bodyPr wrap="none" rtlCol="0">
+            <a:spAutoFit/>
+          </a:bodyPr>
+          <a:lstStyle/>
+          <a:p>
+            <a:pPr marL="285750" indent="-285750">
+              <a:buClr>
+                <a:schemeClr val="accent2"/>
+              </a:buClr>
+              <a:buFont typeface="Courier New" pitchFamily="49" charset="0"/>
+              <a:buChar char="o"/>
+            </a:pPr>
+            <a:r>
+              <a:rPr lang="en-US" dirty="0">
+                <a:latin typeface="+mj-lt"/>
+              </a:rPr>
+              <a:t>New user-defined literals for standard library types, including new built-in literals for </a:t>
+            </a:r>
+            <a:r>
+              <a:rPr lang="en-US" b="1" dirty="0" err="1">
+                <a:latin typeface="+mj-lt"/>
+              </a:rPr>
+              <a:t>chrono</a:t>
+            </a:r>
+            <a:r>
+              <a:rPr lang="en-US" dirty="0">
+                <a:latin typeface="+mj-lt"/>
+              </a:rPr>
+              <a:t> and </a:t>
+            </a:r>
+            <a:endParaRPr lang="en-US" dirty="0" smtClean="0">
+              <a:latin typeface="+mj-lt"/>
+            </a:endParaRPr>
+          </a:p>
+          <a:p>
+            <a:pPr>
+              <a:buClr>
+                <a:schemeClr val="accent2"/>
+              </a:buClr>
+            </a:pPr>
+            <a:r>
+              <a:rPr lang="en-US" b="1" dirty="0" err="1" smtClean="0">
+                <a:latin typeface="+mj-lt"/>
+              </a:rPr>
+              <a:t>basic_string</a:t>
+            </a:r>
+            <a:r>
+              <a:rPr lang="en-US" dirty="0">
+                <a:latin typeface="+mj-lt"/>
+              </a:rPr>
+              <a:t>. These can be </a:t>
+            </a:r>
+            <a:r>
+              <a:rPr lang="en-US" dirty="0" err="1">
+                <a:latin typeface="+mj-lt"/>
+              </a:rPr>
+              <a:t>constexpr</a:t>
+            </a:r>
+            <a:r>
+              <a:rPr lang="en-US" dirty="0">
+                <a:latin typeface="+mj-lt"/>
+              </a:rPr>
+              <a:t> meaning they can be used at compile-time. Some uses for these </a:t>
+            </a:r>
+            <a:endParaRPr lang="en-US" dirty="0" smtClean="0">
+              <a:latin typeface="+mj-lt"/>
+            </a:endParaRPr>
+          </a:p>
+          <a:p>
+            <a:pPr>
+              <a:buClr>
+                <a:schemeClr val="accent2"/>
+              </a:buClr>
+            </a:pPr>
+            <a:r>
+              <a:rPr lang="en-US" dirty="0" smtClean="0">
+                <a:latin typeface="+mj-lt"/>
+              </a:rPr>
+              <a:t>literals </a:t>
+            </a:r>
+            <a:r>
+              <a:rPr lang="en-US" dirty="0">
+                <a:latin typeface="+mj-lt"/>
+              </a:rPr>
+              <a:t>include compile-time integer parsing, binary literals, and imaginary number literals.</a:t>
+            </a:r>
+          </a:p>
+        </p:txBody>
+      </p:sp>
+    </p:spTree>
+    <p:extLst>
+      <p:ext uri="{BB962C8B-B14F-4D97-AF65-F5344CB8AC3E}">
+        <p14:creationId xmlns:p14="http://schemas.microsoft.com/office/powerpoint/2010/main" val="2931410749"/>
+      </p:ext>
+    </p:extLst>
+  </p:cSld>
+  <p:clrMapOvr>
+    <a:masterClrMapping/>
+  </p:clrMapOvr>
+</p:sld>
+</file>
+
+<file path=ppt/slides/slide16.xml><?xml version="1.0" encoding="utf-8"?>
+<p:sld xmlns:a="http://schemas.openxmlformats.org/drawingml/2006/main" xmlns:r="http://schemas.openxmlformats.org/officeDocument/2006/relationships" xmlns:p="http://schemas.openxmlformats.org/presentationml/2006/main">
+  <p:cSld>
+    <p:spTree>
+      <p:nvGrpSpPr>
+        <p:cNvPr id="1" name=""/>
+        <p:cNvGrpSpPr/>
+        <p:nvPr/>
+      </p:nvGrpSpPr>
+      <p:grpSpPr>
+        <a:xfrm>
+          <a:off x="0" y="0"/>
+          <a:ext cx="0" cy="0"/>
+          <a:chOff x="0" y="0"/>
+          <a:chExt cx="0" cy="0"/>
+        </a:xfrm>
+      </p:grpSpPr>
+      <p:sp>
+        <p:nvSpPr>
+          <p:cNvPr id="2" name="Title 1"/>
+          <p:cNvSpPr>
+            <a:spLocks noGrp="1"/>
+          </p:cNvSpPr>
+          <p:nvPr>
+            <p:ph type="title"/>
+          </p:nvPr>
+        </p:nvSpPr>
+        <p:spPr>
+          <a:xfrm>
+            <a:off x="838200" y="365126"/>
+            <a:ext cx="5298195" cy="593342"/>
+          </a:xfrm>
+        </p:spPr>
+        <p:txBody>
+          <a:bodyPr>
+            <a:normAutofit fontScale="90000"/>
+          </a:bodyPr>
+          <a:lstStyle/>
+          <a:p>
+            <a:r>
+              <a:rPr lang="en-US" sz="3200" dirty="0">
+                <a:solidFill>
+                  <a:schemeClr val="accent2"/>
+                </a:solidFill>
+              </a:rPr>
+              <a:t>compile-time integer sequences</a:t>
+            </a:r>
+          </a:p>
+        </p:txBody>
+      </p:sp>
+      <p:sp>
+        <p:nvSpPr>
+          <p:cNvPr id="5" name="TextBox 4"/>
+          <p:cNvSpPr txBox="1"/>
+          <p:nvPr/>
+        </p:nvSpPr>
+        <p:spPr>
+          <a:xfrm>
+            <a:off x="943914" y="1184046"/>
+            <a:ext cx="9683100" cy="1477328"/>
+          </a:xfrm>
+          <a:prstGeom prst="rect">
+            <a:avLst/>
+          </a:prstGeom>
+          <a:noFill/>
+        </p:spPr>
+        <p:txBody>
+          <a:bodyPr wrap="none" rtlCol="0">
+            <a:spAutoFit/>
+          </a:bodyPr>
+          <a:lstStyle/>
+          <a:p>
+            <a:pPr marL="285750" indent="-285750">
+              <a:buClr>
+                <a:schemeClr val="accent2"/>
+              </a:buClr>
+              <a:buFont typeface="Courier New" pitchFamily="49" charset="0"/>
+              <a:buChar char="o"/>
+            </a:pPr>
+            <a:r>
+              <a:rPr lang="en-US" dirty="0">
+                <a:latin typeface="+mj-lt"/>
+              </a:rPr>
+              <a:t>The class template </a:t>
+            </a:r>
+            <a:r>
+              <a:rPr lang="en-US" dirty="0" err="1">
+                <a:latin typeface="+mj-lt"/>
+              </a:rPr>
+              <a:t>std</a:t>
+            </a:r>
+            <a:r>
+              <a:rPr lang="en-US" dirty="0">
+                <a:latin typeface="+mj-lt"/>
+              </a:rPr>
+              <a:t>::</a:t>
+            </a:r>
+            <a:r>
+              <a:rPr lang="en-US" dirty="0" err="1">
+                <a:latin typeface="+mj-lt"/>
+              </a:rPr>
+              <a:t>integer_sequence</a:t>
+            </a:r>
+            <a:r>
+              <a:rPr lang="en-US" dirty="0">
+                <a:latin typeface="+mj-lt"/>
+              </a:rPr>
+              <a:t> represents a compile-time sequence of integers. There are </a:t>
+            </a:r>
+            <a:endParaRPr lang="en-US" dirty="0" smtClean="0">
+              <a:latin typeface="+mj-lt"/>
+            </a:endParaRPr>
+          </a:p>
+          <a:p>
+            <a:pPr>
+              <a:buClr>
+                <a:schemeClr val="accent2"/>
+              </a:buClr>
+            </a:pPr>
+            <a:r>
+              <a:rPr lang="en-US" dirty="0" smtClean="0">
+                <a:latin typeface="+mj-lt"/>
+              </a:rPr>
+              <a:t>a </a:t>
+            </a:r>
+            <a:r>
+              <a:rPr lang="en-US" dirty="0">
+                <a:latin typeface="+mj-lt"/>
+              </a:rPr>
+              <a:t>few helpers built on top</a:t>
+            </a:r>
+            <a:r>
+              <a:rPr lang="en-US" dirty="0" smtClean="0">
+                <a:latin typeface="+mj-lt"/>
+              </a:rPr>
+              <a:t>:</a:t>
+            </a:r>
+          </a:p>
+          <a:p>
+            <a:pPr marL="285750" indent="-285750">
+              <a:buClr>
+                <a:schemeClr val="accent2"/>
+              </a:buClr>
+              <a:buFont typeface="Arial" pitchFamily="34" charset="0"/>
+              <a:buChar char="•"/>
+            </a:pPr>
+            <a:r>
+              <a:rPr lang="en-US" dirty="0">
+                <a:latin typeface="+mj-lt"/>
+              </a:rPr>
+              <a:t> </a:t>
+            </a:r>
+            <a:r>
+              <a:rPr lang="en-US" dirty="0" err="1" smtClean="0">
+                <a:latin typeface="+mj-lt"/>
+              </a:rPr>
+              <a:t>std</a:t>
+            </a:r>
+            <a:r>
+              <a:rPr lang="en-US" dirty="0">
+                <a:latin typeface="+mj-lt"/>
+              </a:rPr>
+              <a:t>::</a:t>
+            </a:r>
+            <a:r>
+              <a:rPr lang="en-US" dirty="0" err="1">
+                <a:latin typeface="+mj-lt"/>
+              </a:rPr>
+              <a:t>make_integer_sequence</a:t>
+            </a:r>
+            <a:r>
+              <a:rPr lang="en-US" dirty="0">
+                <a:latin typeface="+mj-lt"/>
+              </a:rPr>
+              <a:t>&lt;T, N...&gt; - creates a sequence of 0, ..., N - 1 with type T</a:t>
+            </a:r>
+            <a:r>
+              <a:rPr lang="en-US" dirty="0" smtClean="0">
+                <a:latin typeface="+mj-lt"/>
+              </a:rPr>
+              <a:t>.</a:t>
+            </a:r>
+          </a:p>
+          <a:p>
+            <a:pPr marL="285750" indent="-285750">
+              <a:buClr>
+                <a:schemeClr val="accent2"/>
+              </a:buClr>
+              <a:buFont typeface="Arial" pitchFamily="34" charset="0"/>
+              <a:buChar char="•"/>
+            </a:pPr>
+            <a:r>
+              <a:rPr lang="en-US" dirty="0">
+                <a:latin typeface="+mj-lt"/>
+              </a:rPr>
+              <a:t> </a:t>
+            </a:r>
+            <a:r>
+              <a:rPr lang="en-US" dirty="0" err="1" smtClean="0">
+                <a:latin typeface="+mj-lt"/>
+              </a:rPr>
+              <a:t>std</a:t>
+            </a:r>
+            <a:r>
+              <a:rPr lang="en-US" dirty="0">
+                <a:latin typeface="+mj-lt"/>
+              </a:rPr>
+              <a:t>::</a:t>
+            </a:r>
+            <a:r>
+              <a:rPr lang="en-US" dirty="0" err="1">
+                <a:latin typeface="+mj-lt"/>
+              </a:rPr>
+              <a:t>index_sequence_for</a:t>
+            </a:r>
+            <a:r>
+              <a:rPr lang="en-US" dirty="0">
+                <a:latin typeface="+mj-lt"/>
+              </a:rPr>
+              <a:t>&lt;T...&gt; - converts a template parameter pack into an integer sequence.</a:t>
+            </a:r>
+          </a:p>
+          <a:p>
+            <a:endParaRPr lang="en-US" dirty="0"/>
+          </a:p>
+        </p:txBody>
+      </p:sp>
+      <p:pic>
+        <p:nvPicPr>
+          <p:cNvPr id="6" name="Picture 5"/>
+          <p:cNvPicPr>
+            <a:picLocks noChangeAspect="1"/>
+          </p:cNvPicPr>
+          <p:nvPr/>
+        </p:nvPicPr>
+        <p:blipFill>
+          <a:blip r:embed="rId2">
+            <a:extLst>
+              <a:ext uri="{28A0092B-C50C-407E-A947-70E740481C1C}">
+                <a14:useLocalDpi xmlns:a14="http://schemas.microsoft.com/office/drawing/2010/main" val="0"/>
+              </a:ext>
+            </a:extLst>
+          </a:blip>
+          <a:stretch>
+            <a:fillRect/>
+          </a:stretch>
+        </p:blipFill>
+        <p:spPr>
+          <a:xfrm>
+            <a:off x="1883884" y="2444128"/>
+            <a:ext cx="7491470" cy="4239217"/>
+          </a:xfrm>
+          <a:prstGeom prst="rect">
+            <a:avLst/>
+          </a:prstGeom>
+        </p:spPr>
+      </p:pic>
+    </p:spTree>
+    <p:extLst>
+      <p:ext uri="{BB962C8B-B14F-4D97-AF65-F5344CB8AC3E}">
+        <p14:creationId xmlns:p14="http://schemas.microsoft.com/office/powerpoint/2010/main" val="3724473258"/>
+      </p:ext>
+    </p:extLst>
+  </p:cSld>
+  <p:clrMapOvr>
+    <a:masterClrMapping/>
+  </p:clrMapOvr>
+</p:sld>
+</file>
+
+<file path=ppt/slides/slide17.xml><?xml version="1.0" encoding="utf-8"?>
+<p:sld xmlns:a="http://schemas.openxmlformats.org/drawingml/2006/main" xmlns:r="http://schemas.openxmlformats.org/officeDocument/2006/relationships" xmlns:p="http://schemas.openxmlformats.org/presentationml/2006/main">
+  <p:cSld>
+    <p:spTree>
+      <p:nvGrpSpPr>
+        <p:cNvPr id="1" name=""/>
+        <p:cNvGrpSpPr/>
+        <p:nvPr/>
+      </p:nvGrpSpPr>
+      <p:grpSpPr>
+        <a:xfrm>
+          <a:off x="0" y="0"/>
+          <a:ext cx="0" cy="0"/>
+          <a:chOff x="0" y="0"/>
+          <a:chExt cx="0" cy="0"/>
+        </a:xfrm>
+      </p:grpSpPr>
+      <p:sp>
+        <p:nvSpPr>
+          <p:cNvPr id="2" name="Title 1"/>
+          <p:cNvSpPr>
+            <a:spLocks noGrp="1"/>
+          </p:cNvSpPr>
+          <p:nvPr>
+            <p:ph type="title"/>
+          </p:nvPr>
+        </p:nvSpPr>
+        <p:spPr>
+          <a:xfrm>
+            <a:off x="838200" y="365125"/>
+            <a:ext cx="3116855" cy="758595"/>
+          </a:xfrm>
+        </p:spPr>
+        <p:txBody>
+          <a:bodyPr>
+            <a:normAutofit/>
+          </a:bodyPr>
+          <a:lstStyle/>
+          <a:p>
+            <a:r>
+              <a:rPr lang="en-US" sz="3200" dirty="0" err="1">
+                <a:solidFill>
+                  <a:schemeClr val="accent2"/>
+                </a:solidFill>
+              </a:rPr>
+              <a:t>std</a:t>
+            </a:r>
+            <a:r>
+              <a:rPr lang="en-US" sz="3200" dirty="0">
+                <a:solidFill>
+                  <a:schemeClr val="accent2"/>
+                </a:solidFill>
+              </a:rPr>
+              <a:t>::</a:t>
+            </a:r>
+            <a:r>
+              <a:rPr lang="en-US" sz="3200" dirty="0" err="1">
+                <a:solidFill>
+                  <a:schemeClr val="accent2"/>
+                </a:solidFill>
+              </a:rPr>
+              <a:t>make_unique</a:t>
+            </a:r>
+            <a:endParaRPr lang="en-US" sz="3200" dirty="0">
+              <a:solidFill>
+                <a:schemeClr val="accent2"/>
+              </a:solidFill>
+            </a:endParaRPr>
+          </a:p>
+        </p:txBody>
+      </p:sp>
+      <p:sp>
+        <p:nvSpPr>
+          <p:cNvPr id="4" name="TextBox 3"/>
+          <p:cNvSpPr txBox="1"/>
+          <p:nvPr/>
+        </p:nvSpPr>
+        <p:spPr>
+          <a:xfrm>
+            <a:off x="881350" y="1236510"/>
+            <a:ext cx="11001730" cy="1754326"/>
+          </a:xfrm>
+          <a:prstGeom prst="rect">
+            <a:avLst/>
+          </a:prstGeom>
+          <a:noFill/>
+        </p:spPr>
+        <p:txBody>
+          <a:bodyPr wrap="none" rtlCol="0">
+            <a:spAutoFit/>
+          </a:bodyPr>
+          <a:lstStyle/>
+          <a:p>
+            <a:pPr marL="285750" indent="-285750">
+              <a:buClr>
+                <a:schemeClr val="accent2"/>
+              </a:buClr>
+              <a:buFont typeface="Courier New" pitchFamily="49" charset="0"/>
+              <a:buChar char="o"/>
+            </a:pPr>
+            <a:r>
+              <a:rPr lang="en-US" dirty="0" err="1"/>
+              <a:t>std</a:t>
+            </a:r>
+            <a:r>
+              <a:rPr lang="en-US" dirty="0"/>
+              <a:t>::</a:t>
+            </a:r>
+            <a:r>
+              <a:rPr lang="en-US" dirty="0" err="1"/>
+              <a:t>make_unique</a:t>
+            </a:r>
+            <a:r>
+              <a:rPr lang="en-US" dirty="0"/>
+              <a:t> is the recommended way to create instances of </a:t>
+            </a:r>
+            <a:r>
+              <a:rPr lang="en-US" dirty="0" err="1"/>
+              <a:t>std</a:t>
+            </a:r>
+            <a:r>
+              <a:rPr lang="en-US" dirty="0"/>
+              <a:t>::</a:t>
+            </a:r>
+            <a:r>
+              <a:rPr lang="en-US" dirty="0" err="1"/>
+              <a:t>unique_ptrs</a:t>
+            </a:r>
+            <a:r>
+              <a:rPr lang="en-US" dirty="0"/>
+              <a:t> due to the following </a:t>
+            </a:r>
+            <a:endParaRPr lang="en-US" dirty="0" smtClean="0"/>
+          </a:p>
+          <a:p>
+            <a:pPr>
+              <a:buClr>
+                <a:schemeClr val="accent2"/>
+              </a:buClr>
+            </a:pPr>
+            <a:r>
+              <a:rPr lang="en-US" dirty="0" smtClean="0"/>
+              <a:t>reasons:</a:t>
+            </a:r>
+          </a:p>
+          <a:p>
+            <a:pPr marL="742950" lvl="1" indent="-285750">
+              <a:buClr>
+                <a:schemeClr val="accent2"/>
+              </a:buClr>
+              <a:buFont typeface="Courier New" pitchFamily="49" charset="0"/>
+              <a:buChar char="o"/>
+            </a:pPr>
+            <a:r>
+              <a:rPr lang="en-US" dirty="0"/>
+              <a:t>Avoid having to use the new operator.</a:t>
+            </a:r>
+          </a:p>
+          <a:p>
+            <a:pPr marL="742950" lvl="1" indent="-285750">
+              <a:buClr>
+                <a:schemeClr val="accent2"/>
+              </a:buClr>
+              <a:buFont typeface="Courier New" pitchFamily="49" charset="0"/>
+              <a:buChar char="o"/>
+            </a:pPr>
+            <a:r>
+              <a:rPr lang="en-US" dirty="0"/>
+              <a:t>Prevents code repetition when specifying the underlying type the pointer shall hold.</a:t>
+            </a:r>
+          </a:p>
+          <a:p>
+            <a:pPr marL="742950" lvl="1" indent="-285750">
+              <a:buClr>
+                <a:schemeClr val="accent2"/>
+              </a:buClr>
+              <a:buFont typeface="Courier New" pitchFamily="49" charset="0"/>
+              <a:buChar char="o"/>
+            </a:pPr>
+            <a:r>
+              <a:rPr lang="en-US" dirty="0"/>
+              <a:t>Most importantly, it provides exception-safety. Suppose we were calling a function foo like so:</a:t>
+            </a:r>
+          </a:p>
+          <a:p>
+            <a:endParaRPr lang="en-US" dirty="0"/>
+          </a:p>
+        </p:txBody>
+      </p:sp>
+      <p:graphicFrame>
+        <p:nvGraphicFramePr>
+          <p:cNvPr id="5" name="Table 4"/>
+          <p:cNvGraphicFramePr>
+            <a:graphicFrameLocks noGrp="1"/>
+          </p:cNvGraphicFramePr>
+          <p:nvPr>
+            <p:extLst>
+              <p:ext uri="{D42A27DB-BD31-4B8C-83A1-F6EECF244321}">
+                <p14:modId xmlns:p14="http://schemas.microsoft.com/office/powerpoint/2010/main" val="2388796982"/>
+              </p:ext>
+            </p:extLst>
+          </p:nvPr>
+        </p:nvGraphicFramePr>
+        <p:xfrm>
+          <a:off x="881350" y="2759479"/>
+          <a:ext cx="10631277" cy="3454033"/>
+        </p:xfrm>
+        <a:graphic>
+          <a:graphicData uri="http://schemas.openxmlformats.org/drawingml/2006/table">
+            <a:tbl>
+              <a:tblPr firstRow="1" bandRow="1">
+                <a:tableStyleId>{5C22544A-7EE6-4342-B048-85BDC9FD1C3A}</a:tableStyleId>
+              </a:tblPr>
+              <a:tblGrid>
+                <a:gridCol w="4815257"/>
+                <a:gridCol w="5816020"/>
+              </a:tblGrid>
+              <a:tr h="869745">
+                <a:tc>
+                  <a:txBody>
+                    <a:bodyPr/>
+                    <a:lstStyle/>
+                    <a:p>
+                      <a:r>
+                        <a:rPr lang="en-US" dirty="0" smtClean="0"/>
+                        <a:t>C++11</a:t>
+                      </a:r>
+                      <a:endParaRPr lang="en-US" dirty="0"/>
+                    </a:p>
+                  </a:txBody>
+                  <a:tcPr/>
+                </a:tc>
+                <a:tc>
+                  <a:txBody>
+                    <a:bodyPr/>
+                    <a:lstStyle/>
+                    <a:p>
+                      <a:r>
+                        <a:rPr lang="en-US" dirty="0" smtClean="0"/>
+                        <a:t>C++14</a:t>
+                      </a:r>
+                      <a:endParaRPr lang="en-US" dirty="0"/>
+                    </a:p>
+                  </a:txBody>
+                  <a:tcPr/>
+                </a:tc>
+              </a:tr>
+              <a:tr h="2584288">
+                <a:tc>
+                  <a:txBody>
+                    <a:bodyPr/>
+                    <a:lstStyle/>
+                    <a:p>
+                      <a:r>
+                        <a:rPr lang="en-US" sz="1800" kern="1200" dirty="0" err="1" smtClean="0">
+                          <a:solidFill>
+                            <a:schemeClr val="dk1"/>
+                          </a:solidFill>
+                          <a:latin typeface="+mn-lt"/>
+                          <a:ea typeface="+mn-ea"/>
+                          <a:cs typeface="+mn-cs"/>
+                        </a:rPr>
+                        <a:t>struct</a:t>
+                      </a:r>
+                      <a:r>
+                        <a:rPr lang="en-US" sz="1800" kern="1200" dirty="0" smtClean="0">
+                          <a:solidFill>
+                            <a:schemeClr val="dk1"/>
+                          </a:solidFill>
+                          <a:latin typeface="+mn-lt"/>
+                          <a:ea typeface="+mn-ea"/>
+                          <a:cs typeface="+mn-cs"/>
+                        </a:rPr>
+                        <a:t> Vec3</a:t>
+                      </a:r>
+                    </a:p>
+                    <a:p>
+                      <a:r>
+                        <a:rPr lang="en-US" sz="1800" kern="1200" dirty="0" smtClean="0">
+                          <a:solidFill>
+                            <a:schemeClr val="dk1"/>
+                          </a:solidFill>
+                          <a:latin typeface="+mn-lt"/>
+                          <a:ea typeface="+mn-ea"/>
+                          <a:cs typeface="+mn-cs"/>
+                        </a:rPr>
+                        <a:t> {</a:t>
+                      </a:r>
+                    </a:p>
+                    <a:p>
+                      <a:r>
+                        <a:rPr lang="en-US" sz="1800" kern="1200" dirty="0" smtClean="0">
+                          <a:solidFill>
+                            <a:schemeClr val="dk1"/>
+                          </a:solidFill>
+                          <a:latin typeface="+mn-lt"/>
+                          <a:ea typeface="+mn-ea"/>
+                          <a:cs typeface="+mn-cs"/>
+                        </a:rPr>
+                        <a:t>        </a:t>
+                      </a:r>
+                      <a:r>
+                        <a:rPr lang="en-US" sz="1800" kern="1200" dirty="0" err="1" smtClean="0">
+                          <a:solidFill>
+                            <a:schemeClr val="dk1"/>
+                          </a:solidFill>
+                          <a:latin typeface="+mn-lt"/>
+                          <a:ea typeface="+mn-ea"/>
+                          <a:cs typeface="+mn-cs"/>
+                        </a:rPr>
+                        <a:t>int</a:t>
+                      </a:r>
+                      <a:r>
+                        <a:rPr lang="en-US" sz="1800" kern="1200" dirty="0" smtClean="0">
+                          <a:solidFill>
+                            <a:schemeClr val="dk1"/>
+                          </a:solidFill>
+                          <a:latin typeface="+mn-lt"/>
+                          <a:ea typeface="+mn-ea"/>
+                          <a:cs typeface="+mn-cs"/>
+                        </a:rPr>
+                        <a:t> x, y, z;</a:t>
+                      </a:r>
+                    </a:p>
+                    <a:p>
+                      <a:r>
+                        <a:rPr lang="en-US" sz="1800" kern="1200" dirty="0" smtClean="0">
+                          <a:solidFill>
+                            <a:schemeClr val="dk1"/>
+                          </a:solidFill>
+                          <a:latin typeface="+mn-lt"/>
+                          <a:ea typeface="+mn-ea"/>
+                          <a:cs typeface="+mn-cs"/>
+                        </a:rPr>
+                        <a:t>        Vec3(</a:t>
+                      </a:r>
+                      <a:r>
+                        <a:rPr lang="en-US" sz="1800" kern="1200" dirty="0" err="1" smtClean="0">
+                          <a:solidFill>
+                            <a:schemeClr val="dk1"/>
+                          </a:solidFill>
+                          <a:latin typeface="+mn-lt"/>
+                          <a:ea typeface="+mn-ea"/>
+                          <a:cs typeface="+mn-cs"/>
+                        </a:rPr>
+                        <a:t>int</a:t>
+                      </a:r>
+                      <a:r>
+                        <a:rPr lang="en-US" sz="1800" kern="1200" dirty="0" smtClean="0">
+                          <a:solidFill>
+                            <a:schemeClr val="dk1"/>
+                          </a:solidFill>
+                          <a:latin typeface="+mn-lt"/>
+                          <a:ea typeface="+mn-ea"/>
+                          <a:cs typeface="+mn-cs"/>
+                        </a:rPr>
+                        <a:t> x, </a:t>
+                      </a:r>
+                      <a:r>
+                        <a:rPr lang="en-US" sz="1800" kern="1200" dirty="0" err="1" smtClean="0">
+                          <a:solidFill>
+                            <a:schemeClr val="dk1"/>
+                          </a:solidFill>
+                          <a:latin typeface="+mn-lt"/>
+                          <a:ea typeface="+mn-ea"/>
+                          <a:cs typeface="+mn-cs"/>
+                        </a:rPr>
+                        <a:t>int</a:t>
+                      </a:r>
+                      <a:r>
+                        <a:rPr lang="en-US" sz="1800" kern="1200" dirty="0" smtClean="0">
+                          <a:solidFill>
+                            <a:schemeClr val="dk1"/>
+                          </a:solidFill>
+                          <a:latin typeface="+mn-lt"/>
+                          <a:ea typeface="+mn-ea"/>
+                          <a:cs typeface="+mn-cs"/>
+                        </a:rPr>
+                        <a:t> y, </a:t>
+                      </a:r>
+                      <a:r>
+                        <a:rPr lang="en-US" sz="1800" kern="1200" dirty="0" err="1" smtClean="0">
+                          <a:solidFill>
+                            <a:schemeClr val="dk1"/>
+                          </a:solidFill>
+                          <a:latin typeface="+mn-lt"/>
+                          <a:ea typeface="+mn-ea"/>
+                          <a:cs typeface="+mn-cs"/>
+                        </a:rPr>
+                        <a:t>int</a:t>
+                      </a:r>
+                      <a:r>
+                        <a:rPr lang="en-US" sz="1800" kern="1200" dirty="0" smtClean="0">
+                          <a:solidFill>
+                            <a:schemeClr val="dk1"/>
+                          </a:solidFill>
+                          <a:latin typeface="+mn-lt"/>
+                          <a:ea typeface="+mn-ea"/>
+                          <a:cs typeface="+mn-cs"/>
+                        </a:rPr>
+                        <a:t> z) :x(x), y(y), z(z) { }</a:t>
+                      </a:r>
+                    </a:p>
+                    <a:p>
+                      <a:r>
+                        <a:rPr lang="en-US" sz="1800" kern="1200" dirty="0" smtClean="0">
+                          <a:solidFill>
+                            <a:schemeClr val="dk1"/>
+                          </a:solidFill>
+                          <a:latin typeface="+mn-lt"/>
+                          <a:ea typeface="+mn-ea"/>
+                          <a:cs typeface="+mn-cs"/>
+                        </a:rPr>
+                        <a:t> };</a:t>
+                      </a:r>
+                    </a:p>
+                    <a:p>
+                      <a:endParaRPr lang="en-US" sz="1800" kern="1200" dirty="0" smtClean="0">
+                        <a:solidFill>
+                          <a:schemeClr val="dk1"/>
+                        </a:solidFill>
+                        <a:latin typeface="+mn-lt"/>
+                        <a:ea typeface="+mn-ea"/>
+                        <a:cs typeface="+mn-cs"/>
+                      </a:endParaRPr>
+                    </a:p>
+                    <a:p>
+                      <a:pPr marL="0" marR="0" indent="0" algn="l" defTabSz="914400" rtl="0" eaLnBrk="1" fontAlgn="auto" latinLnBrk="0" hangingPunct="1">
+                        <a:lnSpc>
+                          <a:spcPct val="100000"/>
+                        </a:lnSpc>
+                        <a:spcBef>
+                          <a:spcPts val="0"/>
+                        </a:spcBef>
+                        <a:spcAft>
+                          <a:spcPts val="0"/>
+                        </a:spcAft>
+                        <a:buClrTx/>
+                        <a:buSzTx/>
+                        <a:buFontTx/>
+                        <a:buNone/>
+                        <a:tabLst/>
+                        <a:defRPr/>
+                      </a:pPr>
+                      <a:r>
+                        <a:rPr lang="en-US" dirty="0" err="1" smtClean="0"/>
+                        <a:t>std</a:t>
+                      </a:r>
+                      <a:r>
+                        <a:rPr lang="en-US" dirty="0" smtClean="0"/>
+                        <a:t>::</a:t>
+                      </a:r>
+                      <a:r>
+                        <a:rPr lang="en-US" dirty="0" err="1" smtClean="0">
+                          <a:solidFill>
+                            <a:srgbClr val="00B0F0"/>
+                          </a:solidFill>
+                        </a:rPr>
+                        <a:t>unique_ptr</a:t>
+                      </a:r>
+                      <a:r>
+                        <a:rPr lang="en-US" dirty="0" smtClean="0"/>
+                        <a:t>&lt;</a:t>
+                      </a:r>
+                      <a:r>
+                        <a:rPr lang="en-US" sz="1800" i="0" kern="1200" dirty="0" err="1" smtClean="0">
+                          <a:solidFill>
+                            <a:srgbClr val="0070C0"/>
+                          </a:solidFill>
+                          <a:effectLst/>
+                          <a:latin typeface="+mn-lt"/>
+                          <a:ea typeface="+mn-ea"/>
+                          <a:cs typeface="+mn-cs"/>
+                        </a:rPr>
+                        <a:t>int</a:t>
+                      </a:r>
+                      <a:r>
+                        <a:rPr lang="en-US" dirty="0" smtClean="0"/>
+                        <a:t>&gt; u1 (</a:t>
+                      </a:r>
+                      <a:r>
+                        <a:rPr lang="en-US" sz="1800" i="0" kern="1200" dirty="0" smtClean="0">
+                          <a:solidFill>
+                            <a:srgbClr val="0070C0"/>
+                          </a:solidFill>
+                          <a:effectLst/>
+                          <a:latin typeface="+mn-lt"/>
+                          <a:ea typeface="+mn-ea"/>
+                          <a:cs typeface="+mn-cs"/>
+                        </a:rPr>
+                        <a:t>new</a:t>
+                      </a:r>
+                      <a:r>
+                        <a:rPr lang="en-US" dirty="0" smtClean="0"/>
+                        <a:t> </a:t>
+                      </a:r>
+                      <a:r>
+                        <a:rPr lang="en-US" sz="1800" i="0" kern="1200" dirty="0" err="1" smtClean="0">
+                          <a:solidFill>
+                            <a:srgbClr val="0070C0"/>
+                          </a:solidFill>
+                          <a:effectLst/>
+                          <a:latin typeface="+mn-lt"/>
+                          <a:ea typeface="+mn-ea"/>
+                          <a:cs typeface="+mn-cs"/>
+                        </a:rPr>
+                        <a:t>int</a:t>
+                      </a:r>
+                      <a:r>
+                        <a:rPr lang="en-US" dirty="0" smtClean="0"/>
+                        <a:t>);</a:t>
+                      </a:r>
+                    </a:p>
+                    <a:p>
+                      <a:pPr marL="0" marR="0" indent="0" algn="l" defTabSz="914400" rtl="0" eaLnBrk="1" fontAlgn="auto" latinLnBrk="0" hangingPunct="1">
+                        <a:lnSpc>
+                          <a:spcPct val="100000"/>
+                        </a:lnSpc>
+                        <a:spcBef>
+                          <a:spcPts val="0"/>
+                        </a:spcBef>
+                        <a:spcAft>
+                          <a:spcPts val="0"/>
+                        </a:spcAft>
+                        <a:buClrTx/>
+                        <a:buSzTx/>
+                        <a:buFontTx/>
+                        <a:buNone/>
+                        <a:tabLst/>
+                        <a:defRPr/>
+                      </a:pPr>
+                      <a:r>
+                        <a:rPr lang="en-US" dirty="0" err="1" smtClean="0"/>
+                        <a:t>std</a:t>
+                      </a:r>
+                      <a:r>
+                        <a:rPr lang="en-US" dirty="0" smtClean="0"/>
+                        <a:t>::</a:t>
+                      </a:r>
+                      <a:r>
+                        <a:rPr lang="en-US" dirty="0" err="1" smtClean="0">
+                          <a:solidFill>
+                            <a:srgbClr val="00B0F0"/>
+                          </a:solidFill>
+                        </a:rPr>
+                        <a:t>unique_ptr</a:t>
+                      </a:r>
+                      <a:r>
+                        <a:rPr lang="en-US" dirty="0" smtClean="0"/>
+                        <a:t>&lt;</a:t>
+                      </a:r>
+                      <a:r>
+                        <a:rPr lang="en-US" sz="1800" i="0" kern="1200" dirty="0" smtClean="0">
+                          <a:solidFill>
+                            <a:srgbClr val="00B0F0"/>
+                          </a:solidFill>
+                          <a:effectLst/>
+                          <a:latin typeface="+mn-lt"/>
+                          <a:ea typeface="+mn-ea"/>
+                          <a:cs typeface="+mn-cs"/>
+                        </a:rPr>
+                        <a:t>Vec3</a:t>
+                      </a:r>
+                      <a:r>
+                        <a:rPr lang="en-US" dirty="0" smtClean="0"/>
+                        <a:t>&gt; u2 (</a:t>
+                      </a:r>
+                      <a:r>
+                        <a:rPr lang="en-US" sz="1800" i="0" kern="1200" dirty="0" smtClean="0">
+                          <a:solidFill>
+                            <a:srgbClr val="0070C0"/>
+                          </a:solidFill>
+                          <a:effectLst/>
+                          <a:latin typeface="+mn-lt"/>
+                          <a:ea typeface="+mn-ea"/>
+                          <a:cs typeface="+mn-cs"/>
+                        </a:rPr>
+                        <a:t>new</a:t>
+                      </a:r>
+                      <a:r>
+                        <a:rPr lang="en-US" dirty="0" smtClean="0"/>
+                        <a:t> </a:t>
+                      </a:r>
+                      <a:r>
+                        <a:rPr lang="en-US" sz="1800" kern="1200" dirty="0" smtClean="0">
+                          <a:solidFill>
+                            <a:srgbClr val="00B0F0"/>
+                          </a:solidFill>
+                          <a:latin typeface="+mn-lt"/>
+                          <a:ea typeface="+mn-ea"/>
+                          <a:cs typeface="+mn-cs"/>
+                        </a:rPr>
+                        <a:t>Vec3</a:t>
+                      </a:r>
+                      <a:r>
+                        <a:rPr lang="en-US" sz="1800" kern="1200" dirty="0" smtClean="0">
+                          <a:solidFill>
+                            <a:schemeClr val="dk1"/>
+                          </a:solidFill>
+                          <a:latin typeface="+mn-lt"/>
+                          <a:ea typeface="+mn-ea"/>
+                          <a:cs typeface="+mn-cs"/>
+                        </a:rPr>
+                        <a:t>(1,2,3)</a:t>
+                      </a:r>
+                      <a:r>
+                        <a:rPr lang="en-US" dirty="0" smtClean="0"/>
+                        <a:t>);</a:t>
+                      </a:r>
+                    </a:p>
+                    <a:p>
+                      <a:endParaRPr lang="en-US" dirty="0"/>
+                    </a:p>
+                  </a:txBody>
+                  <a:tcPr/>
+                </a:tc>
+                <a:tc>
+                  <a:txBody>
+                    <a:bodyPr/>
+                    <a:lstStyle/>
+                    <a:p>
+                      <a:r>
+                        <a:rPr lang="en-US" sz="1800" kern="1200" dirty="0" err="1" smtClean="0">
+                          <a:solidFill>
+                            <a:schemeClr val="dk1"/>
+                          </a:solidFill>
+                          <a:latin typeface="+mn-lt"/>
+                          <a:ea typeface="+mn-ea"/>
+                          <a:cs typeface="+mn-cs"/>
+                        </a:rPr>
+                        <a:t>struct</a:t>
+                      </a:r>
+                      <a:r>
+                        <a:rPr lang="en-US" sz="1800" kern="1200" dirty="0" smtClean="0">
+                          <a:solidFill>
+                            <a:schemeClr val="dk1"/>
+                          </a:solidFill>
+                          <a:latin typeface="+mn-lt"/>
+                          <a:ea typeface="+mn-ea"/>
+                          <a:cs typeface="+mn-cs"/>
+                        </a:rPr>
+                        <a:t> Vec3</a:t>
+                      </a:r>
+                    </a:p>
+                    <a:p>
+                      <a:r>
+                        <a:rPr lang="en-US" sz="1800" kern="1200" dirty="0" smtClean="0">
+                          <a:solidFill>
+                            <a:schemeClr val="dk1"/>
+                          </a:solidFill>
+                          <a:latin typeface="+mn-lt"/>
+                          <a:ea typeface="+mn-ea"/>
+                          <a:cs typeface="+mn-cs"/>
+                        </a:rPr>
+                        <a:t> {</a:t>
+                      </a:r>
+                    </a:p>
+                    <a:p>
+                      <a:r>
+                        <a:rPr lang="en-US" sz="1800" kern="1200" dirty="0" smtClean="0">
+                          <a:solidFill>
+                            <a:schemeClr val="dk1"/>
+                          </a:solidFill>
+                          <a:latin typeface="+mn-lt"/>
+                          <a:ea typeface="+mn-ea"/>
+                          <a:cs typeface="+mn-cs"/>
+                        </a:rPr>
+                        <a:t>        </a:t>
+                      </a:r>
+                      <a:r>
+                        <a:rPr lang="en-US" sz="1800" kern="1200" dirty="0" err="1" smtClean="0">
+                          <a:solidFill>
+                            <a:schemeClr val="dk1"/>
+                          </a:solidFill>
+                          <a:latin typeface="+mn-lt"/>
+                          <a:ea typeface="+mn-ea"/>
+                          <a:cs typeface="+mn-cs"/>
+                        </a:rPr>
+                        <a:t>int</a:t>
+                      </a:r>
+                      <a:r>
+                        <a:rPr lang="en-US" sz="1800" kern="1200" dirty="0" smtClean="0">
+                          <a:solidFill>
+                            <a:schemeClr val="dk1"/>
+                          </a:solidFill>
+                          <a:latin typeface="+mn-lt"/>
+                          <a:ea typeface="+mn-ea"/>
+                          <a:cs typeface="+mn-cs"/>
+                        </a:rPr>
+                        <a:t> x, y, z;</a:t>
+                      </a:r>
+                    </a:p>
+                    <a:p>
+                      <a:r>
+                        <a:rPr lang="en-US" sz="1800" kern="1200" dirty="0" smtClean="0">
+                          <a:solidFill>
+                            <a:schemeClr val="dk1"/>
+                          </a:solidFill>
+                          <a:latin typeface="+mn-lt"/>
+                          <a:ea typeface="+mn-ea"/>
+                          <a:cs typeface="+mn-cs"/>
+                        </a:rPr>
+                        <a:t>        Vec3(</a:t>
+                      </a:r>
+                      <a:r>
+                        <a:rPr lang="en-US" sz="1800" kern="1200" dirty="0" err="1" smtClean="0">
+                          <a:solidFill>
+                            <a:schemeClr val="dk1"/>
+                          </a:solidFill>
+                          <a:latin typeface="+mn-lt"/>
+                          <a:ea typeface="+mn-ea"/>
+                          <a:cs typeface="+mn-cs"/>
+                        </a:rPr>
+                        <a:t>int</a:t>
+                      </a:r>
+                      <a:r>
+                        <a:rPr lang="en-US" sz="1800" kern="1200" dirty="0" smtClean="0">
+                          <a:solidFill>
+                            <a:schemeClr val="dk1"/>
+                          </a:solidFill>
+                          <a:latin typeface="+mn-lt"/>
+                          <a:ea typeface="+mn-ea"/>
+                          <a:cs typeface="+mn-cs"/>
+                        </a:rPr>
+                        <a:t> x, </a:t>
+                      </a:r>
+                      <a:r>
+                        <a:rPr lang="en-US" sz="1800" kern="1200" dirty="0" err="1" smtClean="0">
+                          <a:solidFill>
+                            <a:schemeClr val="dk1"/>
+                          </a:solidFill>
+                          <a:latin typeface="+mn-lt"/>
+                          <a:ea typeface="+mn-ea"/>
+                          <a:cs typeface="+mn-cs"/>
+                        </a:rPr>
+                        <a:t>int</a:t>
+                      </a:r>
+                      <a:r>
+                        <a:rPr lang="en-US" sz="1800" kern="1200" dirty="0" smtClean="0">
+                          <a:solidFill>
+                            <a:schemeClr val="dk1"/>
+                          </a:solidFill>
+                          <a:latin typeface="+mn-lt"/>
+                          <a:ea typeface="+mn-ea"/>
+                          <a:cs typeface="+mn-cs"/>
+                        </a:rPr>
+                        <a:t> y, </a:t>
+                      </a:r>
+                      <a:r>
+                        <a:rPr lang="en-US" sz="1800" kern="1200" dirty="0" err="1" smtClean="0">
+                          <a:solidFill>
+                            <a:schemeClr val="dk1"/>
+                          </a:solidFill>
+                          <a:latin typeface="+mn-lt"/>
+                          <a:ea typeface="+mn-ea"/>
+                          <a:cs typeface="+mn-cs"/>
+                        </a:rPr>
+                        <a:t>int</a:t>
+                      </a:r>
+                      <a:r>
+                        <a:rPr lang="en-US" sz="1800" kern="1200" dirty="0" smtClean="0">
+                          <a:solidFill>
+                            <a:schemeClr val="dk1"/>
+                          </a:solidFill>
+                          <a:latin typeface="+mn-lt"/>
+                          <a:ea typeface="+mn-ea"/>
+                          <a:cs typeface="+mn-cs"/>
+                        </a:rPr>
+                        <a:t> z) :x(x), y(y), z(z) { }</a:t>
+                      </a:r>
+                    </a:p>
+                    <a:p>
+                      <a:r>
+                        <a:rPr lang="en-US" sz="1800" kern="1200" dirty="0" smtClean="0">
+                          <a:solidFill>
+                            <a:schemeClr val="dk1"/>
+                          </a:solidFill>
+                          <a:latin typeface="+mn-lt"/>
+                          <a:ea typeface="+mn-ea"/>
+                          <a:cs typeface="+mn-cs"/>
+                        </a:rPr>
+                        <a:t> };</a:t>
+                      </a:r>
+                    </a:p>
+                    <a:p>
+                      <a:endParaRPr lang="fr-FR" sz="1800" kern="1200" dirty="0" smtClean="0">
+                        <a:solidFill>
+                          <a:schemeClr val="dk1"/>
+                        </a:solidFill>
+                        <a:latin typeface="+mn-lt"/>
+                        <a:ea typeface="+mn-ea"/>
+                        <a:cs typeface="+mn-cs"/>
+                      </a:endParaRPr>
+                    </a:p>
+                    <a:p>
+                      <a:r>
+                        <a:rPr lang="fr-FR" sz="1800" kern="1200" dirty="0" err="1" smtClean="0">
+                          <a:solidFill>
+                            <a:schemeClr val="dk1"/>
+                          </a:solidFill>
+                          <a:latin typeface="+mn-lt"/>
+                          <a:ea typeface="+mn-ea"/>
+                          <a:cs typeface="+mn-cs"/>
+                        </a:rPr>
+                        <a:t>std</a:t>
+                      </a:r>
+                      <a:r>
+                        <a:rPr lang="fr-FR" sz="1800" kern="1200" dirty="0" smtClean="0">
+                          <a:solidFill>
+                            <a:schemeClr val="dk1"/>
+                          </a:solidFill>
+                          <a:latin typeface="+mn-lt"/>
+                          <a:ea typeface="+mn-ea"/>
+                          <a:cs typeface="+mn-cs"/>
+                        </a:rPr>
+                        <a:t>::</a:t>
+                      </a:r>
+                      <a:r>
+                        <a:rPr lang="fr-FR" sz="1800" kern="1200" dirty="0" err="1" smtClean="0">
+                          <a:solidFill>
+                            <a:srgbClr val="00B0F0"/>
+                          </a:solidFill>
+                          <a:latin typeface="+mn-lt"/>
+                          <a:ea typeface="+mn-ea"/>
+                          <a:cs typeface="+mn-cs"/>
+                        </a:rPr>
+                        <a:t>unique_ptr</a:t>
+                      </a:r>
+                      <a:r>
+                        <a:rPr lang="fr-FR" sz="1800" kern="1200" dirty="0" smtClean="0">
+                          <a:solidFill>
+                            <a:schemeClr val="dk1"/>
+                          </a:solidFill>
+                          <a:latin typeface="+mn-lt"/>
+                          <a:ea typeface="+mn-ea"/>
+                          <a:cs typeface="+mn-cs"/>
+                        </a:rPr>
+                        <a:t>&lt;</a:t>
+                      </a:r>
+                      <a:r>
+                        <a:rPr lang="fr-FR" sz="1800" kern="1200" dirty="0" err="1" smtClean="0">
+                          <a:solidFill>
+                            <a:srgbClr val="0070C0"/>
+                          </a:solidFill>
+                          <a:latin typeface="+mn-lt"/>
+                          <a:ea typeface="+mn-ea"/>
+                          <a:cs typeface="+mn-cs"/>
+                        </a:rPr>
+                        <a:t>int</a:t>
+                      </a:r>
+                      <a:r>
+                        <a:rPr lang="fr-FR" sz="1800" kern="1200" dirty="0" smtClean="0">
+                          <a:solidFill>
+                            <a:schemeClr val="dk1"/>
+                          </a:solidFill>
+                          <a:latin typeface="+mn-lt"/>
+                          <a:ea typeface="+mn-ea"/>
+                          <a:cs typeface="+mn-cs"/>
+                        </a:rPr>
+                        <a:t>&gt; u1 = </a:t>
+                      </a:r>
+                      <a:r>
+                        <a:rPr lang="fr-FR" sz="1800" kern="1200" dirty="0" err="1" smtClean="0">
+                          <a:solidFill>
+                            <a:schemeClr val="dk1"/>
+                          </a:solidFill>
+                          <a:latin typeface="+mn-lt"/>
+                          <a:ea typeface="+mn-ea"/>
+                          <a:cs typeface="+mn-cs"/>
+                        </a:rPr>
+                        <a:t>std</a:t>
+                      </a:r>
+                      <a:r>
+                        <a:rPr lang="fr-FR" sz="1800" kern="1200" dirty="0" smtClean="0">
+                          <a:solidFill>
+                            <a:schemeClr val="dk1"/>
+                          </a:solidFill>
+                          <a:latin typeface="+mn-lt"/>
+                          <a:ea typeface="+mn-ea"/>
+                          <a:cs typeface="+mn-cs"/>
+                        </a:rPr>
+                        <a:t>::</a:t>
+                      </a:r>
+                      <a:r>
+                        <a:rPr lang="fr-FR" sz="1800" kern="1200" dirty="0" err="1" smtClean="0">
+                          <a:solidFill>
+                            <a:schemeClr val="tx1"/>
+                          </a:solidFill>
+                          <a:latin typeface="+mn-lt"/>
+                          <a:ea typeface="+mn-ea"/>
+                          <a:cs typeface="+mn-cs"/>
+                        </a:rPr>
+                        <a:t>make_unique</a:t>
+                      </a:r>
+                      <a:r>
+                        <a:rPr lang="fr-FR" sz="1800" kern="1200" dirty="0" smtClean="0">
+                          <a:solidFill>
+                            <a:schemeClr val="dk1"/>
+                          </a:solidFill>
+                          <a:latin typeface="+mn-lt"/>
+                          <a:ea typeface="+mn-ea"/>
+                          <a:cs typeface="+mn-cs"/>
+                        </a:rPr>
+                        <a:t>&lt;</a:t>
+                      </a:r>
+                      <a:r>
+                        <a:rPr lang="fr-FR" sz="1800" kern="1200" dirty="0" err="1" smtClean="0">
+                          <a:solidFill>
+                            <a:srgbClr val="0070C0"/>
+                          </a:solidFill>
+                          <a:latin typeface="+mn-lt"/>
+                          <a:ea typeface="+mn-ea"/>
+                          <a:cs typeface="+mn-cs"/>
+                        </a:rPr>
+                        <a:t>int</a:t>
+                      </a:r>
+                      <a:r>
+                        <a:rPr lang="fr-FR" sz="1800" kern="1200" dirty="0" smtClean="0">
+                          <a:solidFill>
+                            <a:schemeClr val="dk1"/>
+                          </a:solidFill>
+                          <a:latin typeface="+mn-lt"/>
+                          <a:ea typeface="+mn-ea"/>
+                          <a:cs typeface="+mn-cs"/>
+                        </a:rPr>
+                        <a:t>&gt;();</a:t>
+                      </a:r>
+                    </a:p>
+                    <a:p>
+                      <a:r>
+                        <a:rPr lang="fr-FR" sz="1800" kern="1200" dirty="0" err="1" smtClean="0">
+                          <a:solidFill>
+                            <a:schemeClr val="dk1"/>
+                          </a:solidFill>
+                          <a:latin typeface="+mn-lt"/>
+                          <a:ea typeface="+mn-ea"/>
+                          <a:cs typeface="+mn-cs"/>
+                        </a:rPr>
+                        <a:t>std</a:t>
+                      </a:r>
+                      <a:r>
+                        <a:rPr lang="fr-FR" sz="1800" kern="1200" dirty="0" smtClean="0">
+                          <a:solidFill>
+                            <a:schemeClr val="dk1"/>
+                          </a:solidFill>
+                          <a:latin typeface="+mn-lt"/>
+                          <a:ea typeface="+mn-ea"/>
+                          <a:cs typeface="+mn-cs"/>
+                        </a:rPr>
+                        <a:t>::</a:t>
+                      </a:r>
+                      <a:r>
+                        <a:rPr lang="fr-FR" sz="1800" kern="1200" dirty="0" err="1" smtClean="0">
+                          <a:solidFill>
+                            <a:srgbClr val="00B0F0"/>
+                          </a:solidFill>
+                          <a:latin typeface="+mn-lt"/>
+                          <a:ea typeface="+mn-ea"/>
+                          <a:cs typeface="+mn-cs"/>
+                        </a:rPr>
+                        <a:t>unique_ptr</a:t>
+                      </a:r>
+                      <a:r>
+                        <a:rPr lang="fr-FR" sz="1800" kern="1200" dirty="0" smtClean="0">
+                          <a:solidFill>
+                            <a:schemeClr val="dk1"/>
+                          </a:solidFill>
+                          <a:latin typeface="+mn-lt"/>
+                          <a:ea typeface="+mn-ea"/>
+                          <a:cs typeface="+mn-cs"/>
+                        </a:rPr>
+                        <a:t>&lt;</a:t>
+                      </a:r>
+                      <a:r>
+                        <a:rPr lang="fr-FR" sz="1800" kern="1200" dirty="0" smtClean="0">
+                          <a:solidFill>
+                            <a:srgbClr val="00B0F0"/>
+                          </a:solidFill>
+                          <a:latin typeface="+mn-lt"/>
+                          <a:ea typeface="+mn-ea"/>
+                          <a:cs typeface="+mn-cs"/>
+                        </a:rPr>
+                        <a:t>Vec3</a:t>
+                      </a:r>
+                      <a:r>
+                        <a:rPr lang="fr-FR" sz="1800" kern="1200" dirty="0" smtClean="0">
+                          <a:solidFill>
+                            <a:schemeClr val="dk1"/>
+                          </a:solidFill>
+                          <a:latin typeface="+mn-lt"/>
+                          <a:ea typeface="+mn-ea"/>
+                          <a:cs typeface="+mn-cs"/>
+                        </a:rPr>
+                        <a:t>&gt; u2 = </a:t>
+                      </a:r>
+                      <a:r>
+                        <a:rPr lang="fr-FR" sz="1800" kern="1200" dirty="0" err="1" smtClean="0">
+                          <a:solidFill>
+                            <a:schemeClr val="dk1"/>
+                          </a:solidFill>
+                          <a:latin typeface="+mn-lt"/>
+                          <a:ea typeface="+mn-ea"/>
+                          <a:cs typeface="+mn-cs"/>
+                        </a:rPr>
+                        <a:t>std</a:t>
+                      </a:r>
+                      <a:r>
+                        <a:rPr lang="fr-FR" sz="1800" kern="1200" dirty="0" smtClean="0">
+                          <a:solidFill>
+                            <a:schemeClr val="dk1"/>
+                          </a:solidFill>
+                          <a:latin typeface="+mn-lt"/>
+                          <a:ea typeface="+mn-ea"/>
+                          <a:cs typeface="+mn-cs"/>
+                        </a:rPr>
+                        <a:t>::</a:t>
+                      </a:r>
+                      <a:r>
+                        <a:rPr lang="fr-FR" sz="1800" kern="1200" dirty="0" err="1" smtClean="0">
+                          <a:solidFill>
+                            <a:schemeClr val="tx1"/>
+                          </a:solidFill>
+                          <a:latin typeface="+mn-lt"/>
+                          <a:ea typeface="+mn-ea"/>
+                          <a:cs typeface="+mn-cs"/>
+                        </a:rPr>
+                        <a:t>make_unique</a:t>
+                      </a:r>
+                      <a:r>
+                        <a:rPr lang="fr-FR" sz="1800" kern="1200" dirty="0" smtClean="0">
+                          <a:solidFill>
+                            <a:schemeClr val="dk1"/>
+                          </a:solidFill>
+                          <a:latin typeface="+mn-lt"/>
+                          <a:ea typeface="+mn-ea"/>
+                          <a:cs typeface="+mn-cs"/>
+                        </a:rPr>
+                        <a:t>&lt;</a:t>
+                      </a:r>
+                      <a:r>
+                        <a:rPr lang="fr-FR" sz="1800" kern="1200" dirty="0" smtClean="0">
+                          <a:solidFill>
+                            <a:srgbClr val="00B0F0"/>
+                          </a:solidFill>
+                          <a:latin typeface="+mn-lt"/>
+                          <a:ea typeface="+mn-ea"/>
+                          <a:cs typeface="+mn-cs"/>
+                        </a:rPr>
+                        <a:t>Vec3</a:t>
+                      </a:r>
+                      <a:r>
+                        <a:rPr lang="fr-FR" sz="1800" kern="1200" dirty="0" smtClean="0">
+                          <a:solidFill>
+                            <a:schemeClr val="dk1"/>
+                          </a:solidFill>
+                          <a:latin typeface="+mn-lt"/>
+                          <a:ea typeface="+mn-ea"/>
+                          <a:cs typeface="+mn-cs"/>
+                        </a:rPr>
+                        <a:t>&gt;(0, 1, 2);</a:t>
+                      </a:r>
+                      <a:endParaRPr lang="en-US" dirty="0"/>
+                    </a:p>
+                  </a:txBody>
+                  <a:tcPr/>
+                </a:tc>
+              </a:tr>
+            </a:tbl>
+          </a:graphicData>
+        </a:graphic>
+      </p:graphicFrame>
+    </p:spTree>
+    <p:extLst>
+      <p:ext uri="{BB962C8B-B14F-4D97-AF65-F5344CB8AC3E}">
+        <p14:creationId xmlns:p14="http://schemas.microsoft.com/office/powerpoint/2010/main" val="1224294109"/>
+      </p:ext>
+    </p:extLst>
+  </p:cSld>
+  <p:clrMapOvr>
+    <a:masterClrMapping/>
+  </p:clrMapOvr>
+</p:sld>
+</file>
+
+<file path=ppt/slides/slide18.xml><?xml version="1.0" encoding="utf-8"?>
 <p:sld xmlns:a="http://schemas.openxmlformats.org/drawingml/2006/main" xmlns:r="http://schemas.openxmlformats.org/officeDocument/2006/relationships" xmlns:p="http://schemas.openxmlformats.org/presentationml/2006/main">
   <p:cSld>
     <p:spTree>
@@ -8363,25 +12825,7 @@
               <a:rPr lang="en-US" sz="1800" b="1" dirty="0" smtClean="0">
                 <a:latin typeface="+mj-lt"/>
               </a:rPr>
-              <a:t>New C</a:t>
-            </a:r>
-            <a:r>
-              <a:rPr lang="en-US" sz="1800" b="1" dirty="0" smtClean="0">
-                <a:latin typeface="+mj-lt"/>
-              </a:rPr>
-              <a:t>++ </a:t>
-            </a:r>
-            <a:r>
-              <a:rPr lang="en-US" sz="1800" b="1" dirty="0" smtClean="0">
-                <a:latin typeface="+mj-lt"/>
-              </a:rPr>
-              <a:t>14 </a:t>
-            </a:r>
-            <a:r>
-              <a:rPr lang="en-US" sz="1800" b="1" dirty="0" smtClean="0">
-                <a:latin typeface="+mj-lt"/>
-              </a:rPr>
-              <a:t>syntax</a:t>
+              <a:t>New C++ 14 syntax</a:t>
             </a:r>
           </a:p>
           <a:p>
@@ -9999,13 +14443,6 @@
                         </a:rPr>
                         <a:t>//C++11</a:t>
                       </a:r>
-                      <a:endParaRPr lang="en-US" dirty="0" smtClean="0">
-                        <a:solidFill>
-                          <a:srgbClr val="00B050"/>
-                        </a:solidFill>
-                        <a:latin typeface="Courier New" panose="02070309020205020404" pitchFamily="49" charset="0"/>
-                        <a:cs typeface="Courier New" panose="02070309020205020404" pitchFamily="49" charset="0"/>
-                      </a:endParaRPr>
                     </a:p>
                     <a:p>
                       <a:r>
@@ -12096,13 +16533,6 @@
                         </a:rPr>
                         <a:t>&amp;</a:t>
                       </a:r>
-                      <a:endParaRPr lang="en-US" b="0" dirty="0" smtClean="0">
-                        <a:solidFill>
-                          <a:srgbClr val="00B050"/>
-                        </a:solidFill>
-                        <a:latin typeface="Courier New" panose="02070309020205020404" pitchFamily="49" charset="0"/>
-                        <a:cs typeface="Courier New" panose="02070309020205020404" pitchFamily="49" charset="0"/>
-                      </a:endParaRPr>
                     </a:p>
                     <a:p>
                       <a:r>
@@ -12271,13 +16701,6 @@
                         </a:rPr>
                         <a:t>&amp;&amp; alias of z</a:t>
                       </a:r>
-                      <a:endParaRPr lang="en-US" b="0" dirty="0" smtClean="0">
-                        <a:solidFill>
-                          <a:srgbClr val="00B050"/>
-                        </a:solidFill>
-                        <a:latin typeface="Courier New" panose="02070309020205020404" pitchFamily="49" charset="0"/>
-                        <a:cs typeface="Courier New" panose="02070309020205020404" pitchFamily="49" charset="0"/>
-                      </a:endParaRPr>
                     </a:p>
                     <a:p>
                       <a:r>
@@ -13970,7 +18393,7 @@
   <a:extraClrSchemeLst/>
   <a:extLst>
     <a:ext uri="{05A4C25C-085E-4340-85A3-A5531E510DB2}">
-      <thm15:themeFamily xmlns:thm15="http://schemas.microsoft.com/office/thememl/2012/main" name="Office Theme" id="{62F939B6-93AF-4DB8-9C6B-D6C7DFDC589F}" vid="{4A3C46E8-61CC-4603-A589-7422A47A8E4A}"/>
+      <thm15:themeFamily xmlns:thm15="http://schemas.microsoft.com/office/thememl/2012/main" xmlns="" name="Office Theme" id="{62F939B6-93AF-4DB8-9C6B-D6C7DFDC589F}" vid="{4A3C46E8-61CC-4603-A589-7422A47A8E4A}"/>
     </a:ext>
   </a:extLst>
 </a:theme>
@@ -14231,7 +18654,7 @@
   <a:extraClrSchemeLst/>
   <a:extLst>
     <a:ext uri="{05A4C25C-085E-4340-85A3-A5531E510DB2}">
-      <thm15:themeFamily xmlns:thm15="http://schemas.microsoft.com/office/thememl/2012/main" name="Office Theme" id="{62F939B6-93AF-4DB8-9C6B-D6C7DFDC589F}" vid="{4A3C46E8-61CC-4603-A589-7422A47A8E4A}"/>
+      <thm15:themeFamily xmlns:thm15="http://schemas.microsoft.com/office/thememl/2012/main" xmlns="" name="Office Theme" id="{62F939B6-93AF-4DB8-9C6B-D6C7DFDC589F}" vid="{4A3C46E8-61CC-4603-A589-7422A47A8E4A}"/>
     </a:ext>
   </a:extLst>
 </a:theme>
